--- a/PDS-INFO-1-G5.pptx
+++ b/PDS-INFO-1-G5.pptx
@@ -260,7 +260,7 @@
               <a:pPr>
                 <a:defRPr/>
               </a:pPr>
-              <a:t>05-03-20</a:t>
+              <a:t>18-04-20</a:t>
             </a:fld>
             <a:endParaRPr lang="fr-BE"/>
           </a:p>
@@ -464,7 +464,7 @@
               <a:pPr>
                 <a:defRPr/>
               </a:pPr>
-              <a:t>05-03-20</a:t>
+              <a:t>18-04-20</a:t>
             </a:fld>
             <a:endParaRPr lang="fr-BE"/>
           </a:p>
@@ -4547,22 +4547,13 @@
               </a:spcAft>
             </a:pPr>
             <a:r>
-              <a:rPr lang="fr-FR" altLang="fr-FR" sz="11500" b="1" dirty="0" smtClean="0">
-                <a:solidFill>
-                  <a:srgbClr val="6C5098"/>
-                </a:solidFill>
-                <a:latin typeface="+mj-lt"/>
-              </a:rPr>
-              <a:t>Tri automatique </a:t>
-            </a:r>
-            <a:r>
               <a:rPr lang="fr-FR" altLang="fr-FR" sz="11500" b="1" dirty="0">
                 <a:solidFill>
                   <a:srgbClr val="6C5098"/>
                 </a:solidFill>
                 <a:latin typeface="+mj-lt"/>
               </a:rPr>
-              <a:t>des déchets</a:t>
+              <a:t>Tri automatique des déchets</a:t>
             </a:r>
           </a:p>
           <a:p>
@@ -4584,31 +4575,13 @@
           <a:p>
             <a:pPr algn="ctr"/>
             <a:r>
-              <a:rPr lang="fr-FR" altLang="fr-FR" sz="3600" b="1" dirty="0" smtClean="0">
-                <a:solidFill>
-                  <a:srgbClr val="CC0000"/>
-                </a:solidFill>
-                <a:latin typeface="+mj-lt"/>
-              </a:rPr>
-              <a:t>Amir FALLAHI, Brice PETIT, Dumitru NEGRU, Hugo CALLEBAUT, Maxime HAUWAERT </a:t>
-            </a:r>
-            <a:r>
               <a:rPr lang="fr-FR" altLang="fr-FR" sz="3600" b="1" dirty="0">
                 <a:solidFill>
                   <a:srgbClr val="CC0000"/>
                 </a:solidFill>
                 <a:latin typeface="+mj-lt"/>
               </a:rPr>
-              <a:t>et </a:t>
-            </a:r>
-            <a:r>
-              <a:rPr lang="fr-FR" altLang="fr-FR" sz="3600" b="1" dirty="0" smtClean="0">
-                <a:solidFill>
-                  <a:srgbClr val="CC0000"/>
-                </a:solidFill>
-                <a:latin typeface="+mj-lt"/>
-              </a:rPr>
-              <a:t>Yahya BAKKALI</a:t>
+              <a:t>Amir FALLAHI, Brice PETIT, Dumitru NEGRU, Hugo CALLEBAUT, Maxime HAUWAERT et Yahya BAKKALI</a:t>
             </a:r>
             <a:endParaRPr lang="fr-FR" altLang="fr-FR" sz="7200" b="1" dirty="0">
               <a:solidFill>
@@ -5194,14 +5167,14 @@
       </p:pic>
       <p:sp>
         <p:nvSpPr>
-          <p:cNvPr id="15" name="ZoneTexte 14"/>
+          <p:cNvPr id="23" name="ZoneTexte 22"/>
           <p:cNvSpPr txBox="1"/>
           <p:nvPr/>
         </p:nvSpPr>
         <p:spPr>
           <a:xfrm>
-            <a:off x="2892144" y="16713670"/>
-            <a:ext cx="10887470" cy="1132957"/>
+            <a:off x="17445389" y="14905114"/>
+            <a:ext cx="6354262" cy="1132957"/>
           </a:xfrm>
           <a:prstGeom prst="rect">
             <a:avLst/>
@@ -5239,319 +5212,55 @@
           <a:p>
             <a:pPr algn="ctr"/>
             <a:r>
-              <a:rPr lang="fr-FR" altLang="fr-FR" sz="5000" b="1" dirty="0" smtClean="0">
+              <a:rPr lang="fr-FR" altLang="fr-FR" sz="5000" b="1" dirty="0">
                 <a:solidFill>
                   <a:srgbClr val="6C5098"/>
                 </a:solidFill>
               </a:rPr>
-              <a:t>1.1 Extraction des caractéristiques</a:t>
-            </a:r>
-          </a:p>
-        </p:txBody>
-      </p:sp>
-      <p:sp>
-        <p:nvSpPr>
-          <p:cNvPr id="17" name="ZoneTexte 16"/>
+              <a:t>Dispositif physique</a:t>
+            </a:r>
+          </a:p>
+        </p:txBody>
+      </p:sp>
+      <p:sp>
+        <p:nvSpPr>
+          <p:cNvPr id="34" name="ZoneTexte 33"/>
           <p:cNvSpPr txBox="1"/>
           <p:nvPr/>
         </p:nvSpPr>
         <p:spPr>
           <a:xfrm>
-            <a:off x="2892144" y="24269945"/>
-            <a:ext cx="8799238" cy="1132957"/>
+            <a:off x="2892144" y="11880832"/>
+            <a:ext cx="28077200" cy="2123658"/>
           </a:xfrm>
           <a:prstGeom prst="rect">
             <a:avLst/>
           </a:prstGeom>
-          <a:solidFill>
-            <a:schemeClr val="lt1"/>
-          </a:solidFill>
-          <a:ln w="177800" cap="flat" cmpd="sng">
-            <a:noFill/>
-            <a:round/>
-          </a:ln>
-          <a:effectLst>
-            <a:softEdge rad="0"/>
-          </a:effectLst>
-        </p:spPr>
-        <p:style>
-          <a:lnRef idx="2">
-            <a:schemeClr val="accent6"/>
-          </a:lnRef>
-          <a:fillRef idx="1">
-            <a:schemeClr val="lt1"/>
-          </a:fillRef>
-          <a:effectRef idx="0">
-            <a:schemeClr val="accent6"/>
-          </a:effectRef>
-          <a:fontRef idx="minor">
-            <a:schemeClr val="dk1"/>
-          </a:fontRef>
-        </p:style>
-        <p:txBody>
-          <a:bodyPr wrap="square" lIns="180000" tIns="180000" rIns="180000" bIns="180000" rtlCol="0">
+          <a:noFill/>
+        </p:spPr>
+        <p:txBody>
+          <a:bodyPr wrap="square" rtlCol="0">
             <a:spAutoFit/>
           </a:bodyPr>
           <a:lstStyle/>
           <a:p>
-            <a:pPr algn="ctr"/>
-            <a:r>
-              <a:rPr lang="fr-FR" altLang="fr-FR" sz="5000" b="1" dirty="0" smtClean="0">
-                <a:solidFill>
-                  <a:srgbClr val="6C5098"/>
-                </a:solidFill>
-              </a:rPr>
-              <a:t>1.2 Séparation des données</a:t>
-            </a:r>
-            <a:endParaRPr lang="fr-FR" altLang="fr-FR" sz="5000" b="1" dirty="0">
-              <a:solidFill>
-                <a:srgbClr val="6C5098"/>
-              </a:solidFill>
-            </a:endParaRPr>
-          </a:p>
-        </p:txBody>
-      </p:sp>
-      <p:sp>
-        <p:nvSpPr>
-          <p:cNvPr id="19" name="ZoneTexte 18"/>
-          <p:cNvSpPr txBox="1"/>
-          <p:nvPr/>
-        </p:nvSpPr>
-        <p:spPr>
-          <a:xfrm>
-            <a:off x="2894075" y="31490345"/>
-            <a:ext cx="5056385" cy="1132957"/>
-          </a:xfrm>
-          <a:prstGeom prst="rect">
-            <a:avLst/>
-          </a:prstGeom>
-          <a:solidFill>
-            <a:schemeClr val="lt1"/>
-          </a:solidFill>
-          <a:ln w="177800" cap="flat" cmpd="sng">
-            <a:noFill/>
-            <a:round/>
-          </a:ln>
-          <a:effectLst>
-            <a:softEdge rad="0"/>
-          </a:effectLst>
-        </p:spPr>
-        <p:style>
-          <a:lnRef idx="2">
-            <a:schemeClr val="accent6"/>
-          </a:lnRef>
-          <a:fillRef idx="1">
-            <a:schemeClr val="lt1"/>
-          </a:fillRef>
-          <a:effectRef idx="0">
-            <a:schemeClr val="accent6"/>
-          </a:effectRef>
-          <a:fontRef idx="minor">
-            <a:schemeClr val="dk1"/>
-          </a:fontRef>
-        </p:style>
-        <p:txBody>
-          <a:bodyPr wrap="square" lIns="180000" tIns="180000" rIns="180000" bIns="180000" rtlCol="0">
-            <a:spAutoFit/>
-          </a:bodyPr>
-          <a:lstStyle/>
-          <a:p>
-            <a:pPr algn="ctr"/>
-            <a:r>
-              <a:rPr lang="fr-FR" altLang="fr-FR" sz="5000" b="1" dirty="0" smtClean="0">
-                <a:solidFill>
-                  <a:srgbClr val="6C5098"/>
-                </a:solidFill>
-              </a:rPr>
-              <a:t>1.3 Prédictions</a:t>
-            </a:r>
-            <a:endParaRPr lang="fr-FR" altLang="fr-FR" sz="5000" b="1" dirty="0">
-              <a:solidFill>
-                <a:srgbClr val="6C5098"/>
-              </a:solidFill>
-            </a:endParaRPr>
-          </a:p>
-        </p:txBody>
-      </p:sp>
-      <p:sp>
-        <p:nvSpPr>
-          <p:cNvPr id="20" name="ZoneTexte 19"/>
-          <p:cNvSpPr txBox="1"/>
-          <p:nvPr/>
-        </p:nvSpPr>
-        <p:spPr>
-          <a:xfrm>
-            <a:off x="18636850" y="16713670"/>
-            <a:ext cx="10580104" cy="1132957"/>
-          </a:xfrm>
-          <a:prstGeom prst="rect">
-            <a:avLst/>
-          </a:prstGeom>
-          <a:solidFill>
-            <a:schemeClr val="lt1"/>
-          </a:solidFill>
-          <a:ln w="177800" cap="flat" cmpd="sng">
-            <a:noFill/>
-            <a:round/>
-          </a:ln>
-          <a:effectLst>
-            <a:softEdge rad="0"/>
-          </a:effectLst>
-        </p:spPr>
-        <p:style>
-          <a:lnRef idx="2">
-            <a:schemeClr val="accent6"/>
-          </a:lnRef>
-          <a:fillRef idx="1">
-            <a:schemeClr val="lt1"/>
-          </a:fillRef>
-          <a:effectRef idx="0">
-            <a:schemeClr val="accent6"/>
-          </a:effectRef>
-          <a:fontRef idx="minor">
-            <a:schemeClr val="dk1"/>
-          </a:fontRef>
-        </p:style>
-        <p:txBody>
-          <a:bodyPr wrap="square" lIns="180000" tIns="180000" rIns="180000" bIns="180000" rtlCol="0">
-            <a:spAutoFit/>
-          </a:bodyPr>
-          <a:lstStyle/>
-          <a:p>
-            <a:pPr algn="ctr"/>
-            <a:r>
-              <a:rPr lang="fr-FR" altLang="fr-FR" sz="5000" b="1" dirty="0" smtClean="0">
-                <a:solidFill>
-                  <a:srgbClr val="6C5098"/>
-                </a:solidFill>
-              </a:rPr>
-              <a:t>2.1 Conception d’une architecture</a:t>
-            </a:r>
-          </a:p>
-        </p:txBody>
-      </p:sp>
-      <p:sp>
-        <p:nvSpPr>
-          <p:cNvPr id="21" name="ZoneTexte 20"/>
-          <p:cNvSpPr txBox="1"/>
-          <p:nvPr/>
-        </p:nvSpPr>
-        <p:spPr>
-          <a:xfrm>
-            <a:off x="18636850" y="24269945"/>
-            <a:ext cx="5539543" cy="1132957"/>
-          </a:xfrm>
-          <a:prstGeom prst="rect">
-            <a:avLst/>
-          </a:prstGeom>
-          <a:solidFill>
-            <a:schemeClr val="lt1"/>
-          </a:solidFill>
-          <a:ln w="177800" cap="flat" cmpd="sng">
-            <a:noFill/>
-            <a:round/>
-          </a:ln>
-          <a:effectLst>
-            <a:softEdge rad="0"/>
-          </a:effectLst>
-        </p:spPr>
-        <p:style>
-          <a:lnRef idx="2">
-            <a:schemeClr val="accent6"/>
-          </a:lnRef>
-          <a:fillRef idx="1">
-            <a:schemeClr val="lt1"/>
-          </a:fillRef>
-          <a:effectRef idx="0">
-            <a:schemeClr val="accent6"/>
-          </a:effectRef>
-          <a:fontRef idx="minor">
-            <a:schemeClr val="dk1"/>
-          </a:fontRef>
-        </p:style>
-        <p:txBody>
-          <a:bodyPr wrap="square" lIns="180000" tIns="180000" rIns="180000" bIns="180000" rtlCol="0">
-            <a:spAutoFit/>
-          </a:bodyPr>
-          <a:lstStyle/>
-          <a:p>
-            <a:pPr algn="ctr"/>
-            <a:r>
-              <a:rPr lang="fr-FR" altLang="fr-FR" sz="5000" b="1" dirty="0" smtClean="0">
-                <a:solidFill>
-                  <a:srgbClr val="6C5098"/>
-                </a:solidFill>
-              </a:rPr>
-              <a:t>2.2 Entraînement</a:t>
-            </a:r>
-          </a:p>
-        </p:txBody>
-      </p:sp>
-      <p:sp>
-        <p:nvSpPr>
-          <p:cNvPr id="23" name="ZoneTexte 22"/>
-          <p:cNvSpPr txBox="1"/>
-          <p:nvPr/>
-        </p:nvSpPr>
-        <p:spPr>
-          <a:xfrm>
-            <a:off x="18442971" y="31490345"/>
-            <a:ext cx="5157359" cy="1132957"/>
-          </a:xfrm>
-          <a:prstGeom prst="rect">
-            <a:avLst/>
-          </a:prstGeom>
-          <a:solidFill>
-            <a:schemeClr val="lt1"/>
-          </a:solidFill>
-          <a:ln w="177800" cap="flat" cmpd="sng">
-            <a:noFill/>
-            <a:round/>
-          </a:ln>
-          <a:effectLst>
-            <a:softEdge rad="0"/>
-          </a:effectLst>
-        </p:spPr>
-        <p:style>
-          <a:lnRef idx="2">
-            <a:schemeClr val="accent6"/>
-          </a:lnRef>
-          <a:fillRef idx="1">
-            <a:schemeClr val="lt1"/>
-          </a:fillRef>
-          <a:effectRef idx="0">
-            <a:schemeClr val="accent6"/>
-          </a:effectRef>
-          <a:fontRef idx="minor">
-            <a:schemeClr val="dk1"/>
-          </a:fontRef>
-        </p:style>
-        <p:txBody>
-          <a:bodyPr wrap="square" lIns="180000" tIns="180000" rIns="180000" bIns="180000" rtlCol="0">
-            <a:spAutoFit/>
-          </a:bodyPr>
-          <a:lstStyle/>
-          <a:p>
-            <a:pPr algn="ctr"/>
-            <a:r>
-              <a:rPr lang="fr-FR" altLang="fr-FR" sz="5000" b="1" dirty="0" smtClean="0">
-                <a:solidFill>
-                  <a:srgbClr val="6C5098"/>
-                </a:solidFill>
-              </a:rPr>
-              <a:t>2.3 Prédictions</a:t>
-            </a:r>
-            <a:endParaRPr lang="fr-FR" altLang="fr-FR" sz="5000" b="1" dirty="0">
-              <a:solidFill>
-                <a:srgbClr val="6C5098"/>
-              </a:solidFill>
-            </a:endParaRPr>
+            <a:pPr algn="just"/>
+            <a:r>
+              <a:rPr lang="fr-BE" sz="4400" dirty="0"/>
+              <a:t>	Le but du projet est l’automatisation du tri de déchets via des méthodes informatiques, s’appuyant sur l’analyse d’images. Un ensemble de techniques d’apprentissage automatique, permettent de créer des modèles de prédiction. Ces derniers permettent de classer les images en différentes catégories.</a:t>
+            </a:r>
           </a:p>
         </p:txBody>
       </p:sp>
       <p:pic>
         <p:nvPicPr>
-          <p:cNvPr id="9" name="Image 8"/>
+          <p:cNvPr id="3" name="Image 2" descr="Une image contenant texte, dessin&#10;&#10;Description générée automatiquement">
+            <a:extLst>
+              <a:ext uri="{FF2B5EF4-FFF2-40B4-BE49-F238E27FC236}">
+                <a16:creationId xmlns:a16="http://schemas.microsoft.com/office/drawing/2014/main" id="{42501193-486E-4FCC-8190-579B81D1634A}"/>
+              </a:ext>
+            </a:extLst>
+          </p:cNvPr>
           <p:cNvPicPr>
             <a:picLocks noChangeAspect="1"/>
           </p:cNvPicPr>
@@ -5571,17 +5280,151 @@
         </p:blipFill>
         <p:spPr>
           <a:xfrm>
-            <a:off x="2894075" y="18164827"/>
-            <a:ext cx="6658100" cy="5652684"/>
+            <a:off x="2552131" y="15437579"/>
+            <a:ext cx="14078053" cy="13253479"/>
           </a:xfrm>
           <a:prstGeom prst="rect">
             <a:avLst/>
           </a:prstGeom>
         </p:spPr>
       </p:pic>
+      <p:sp>
+        <p:nvSpPr>
+          <p:cNvPr id="36" name="ZoneTexte 35">
+            <a:extLst>
+              <a:ext uri="{FF2B5EF4-FFF2-40B4-BE49-F238E27FC236}">
+                <a16:creationId xmlns:a16="http://schemas.microsoft.com/office/drawing/2014/main" id="{EA82CD33-333B-43A0-8E4F-8158ED4AC571}"/>
+              </a:ext>
+            </a:extLst>
+          </p:cNvPr>
+          <p:cNvSpPr txBox="1"/>
+          <p:nvPr/>
+        </p:nvSpPr>
+        <p:spPr>
+          <a:xfrm>
+            <a:off x="17547218" y="16589614"/>
+            <a:ext cx="13422126" cy="4832092"/>
+          </a:xfrm>
+          <a:prstGeom prst="rect">
+            <a:avLst/>
+          </a:prstGeom>
+          <a:noFill/>
+        </p:spPr>
+        <p:txBody>
+          <a:bodyPr wrap="square" rtlCol="0">
+            <a:spAutoFit/>
+          </a:bodyPr>
+          <a:lstStyle/>
+          <a:p>
+            <a:pPr algn="just"/>
+            <a:r>
+              <a:rPr lang="fr-BE" sz="4400" dirty="0"/>
+              <a:t>	Un modèle fonctionnel a été importé sur un </a:t>
+            </a:r>
+            <a:r>
+              <a:rPr lang="fr-BE" sz="4400" dirty="0" err="1"/>
+              <a:t>raspberry</a:t>
+            </a:r>
+            <a:r>
+              <a:rPr lang="fr-BE" sz="4400" dirty="0"/>
+              <a:t> pi 4 (au centre du schéma), liée à un ensemble de périphériques :</a:t>
+            </a:r>
+          </a:p>
+          <a:p>
+            <a:pPr algn="just"/>
+            <a:r>
+              <a:rPr lang="fr-BE" sz="4400" dirty="0"/>
+              <a:t>	- Un bouton qui enclenche la capture de l’image.</a:t>
+            </a:r>
+          </a:p>
+          <a:p>
+            <a:pPr algn="just"/>
+            <a:r>
+              <a:rPr lang="fr-BE" sz="4400" dirty="0"/>
+              <a:t>	- Une caméra réglable pour la prise d’images.</a:t>
+            </a:r>
+          </a:p>
+          <a:p>
+            <a:pPr algn="just"/>
+            <a:r>
+              <a:rPr lang="fr-BE" sz="4400" dirty="0"/>
+              <a:t>	- Un contrôleur de moteurs attachés aux 			  poubelles.</a:t>
+            </a:r>
+          </a:p>
+        </p:txBody>
+      </p:sp>
+      <p:sp>
+        <p:nvSpPr>
+          <p:cNvPr id="37" name="ZoneTexte 36">
+            <a:extLst>
+              <a:ext uri="{FF2B5EF4-FFF2-40B4-BE49-F238E27FC236}">
+                <a16:creationId xmlns:a16="http://schemas.microsoft.com/office/drawing/2014/main" id="{ACFE4749-EB51-43D9-B99E-E1A94B9CA93D}"/>
+              </a:ext>
+            </a:extLst>
+          </p:cNvPr>
+          <p:cNvSpPr txBox="1"/>
+          <p:nvPr/>
+        </p:nvSpPr>
+        <p:spPr>
+          <a:xfrm>
+            <a:off x="2892144" y="29955088"/>
+            <a:ext cx="8444963" cy="1132957"/>
+          </a:xfrm>
+          <a:prstGeom prst="rect">
+            <a:avLst/>
+          </a:prstGeom>
+          <a:solidFill>
+            <a:schemeClr val="lt1"/>
+          </a:solidFill>
+          <a:ln w="177800" cap="flat" cmpd="sng">
+            <a:noFill/>
+            <a:round/>
+          </a:ln>
+          <a:effectLst>
+            <a:softEdge rad="0"/>
+          </a:effectLst>
+        </p:spPr>
+        <p:style>
+          <a:lnRef idx="2">
+            <a:schemeClr val="accent6"/>
+          </a:lnRef>
+          <a:fillRef idx="1">
+            <a:schemeClr val="lt1"/>
+          </a:fillRef>
+          <a:effectRef idx="0">
+            <a:schemeClr val="accent6"/>
+          </a:effectRef>
+          <a:fontRef idx="minor">
+            <a:schemeClr val="dk1"/>
+          </a:fontRef>
+        </p:style>
+        <p:txBody>
+          <a:bodyPr wrap="square" lIns="180000" tIns="180000" rIns="180000" bIns="180000" rtlCol="0">
+            <a:spAutoFit/>
+          </a:bodyPr>
+          <a:lstStyle/>
+          <a:p>
+            <a:pPr algn="ctr"/>
+            <a:r>
+              <a:rPr lang="fr-FR" altLang="fr-FR" sz="5000" b="1" dirty="0">
+                <a:solidFill>
+                  <a:srgbClr val="6C5098"/>
+                </a:solidFill>
+              </a:rPr>
+              <a:t>Modèle et jeu de données</a:t>
+            </a:r>
+          </a:p>
+        </p:txBody>
+      </p:sp>
       <p:pic>
         <p:nvPicPr>
-          <p:cNvPr id="11" name="Image 10"/>
+          <p:cNvPr id="7" name="Image 6">
+            <a:extLst>
+              <a:ext uri="{FF2B5EF4-FFF2-40B4-BE49-F238E27FC236}">
+                <a16:creationId xmlns:a16="http://schemas.microsoft.com/office/drawing/2014/main" id="{A93E5F4F-C206-4689-ABE5-A07EDDF13CB7}"/>
+              </a:ext>
+            </a:extLst>
+          </p:cNvPr>
           <p:cNvPicPr>
             <a:picLocks noChangeAspect="1"/>
           </p:cNvPicPr>
@@ -5601,47 +5444,129 @@
         </p:blipFill>
         <p:spPr>
           <a:xfrm>
-            <a:off x="2894075" y="26121166"/>
-            <a:ext cx="6658100" cy="4989603"/>
+            <a:off x="27269660" y="21237065"/>
+            <a:ext cx="4200132" cy="9284502"/>
           </a:xfrm>
           <a:prstGeom prst="rect">
             <a:avLst/>
           </a:prstGeom>
         </p:spPr>
       </p:pic>
-      <p:pic>
-        <p:nvPicPr>
-          <p:cNvPr id="28" name="Image 27"/>
-          <p:cNvPicPr>
-            <a:picLocks noChangeAspect="1"/>
-          </p:cNvPicPr>
-          <p:nvPr/>
-        </p:nvPicPr>
-        <p:blipFill>
-          <a:blip r:embed="rId10">
+      <p:sp>
+        <p:nvSpPr>
+          <p:cNvPr id="38" name="ZoneTexte 37">
             <a:extLst>
-              <a:ext uri="{28A0092B-C50C-407E-A947-70E740481C1C}">
-                <a14:useLocalDpi xmlns:a14="http://schemas.microsoft.com/office/drawing/2010/main" val="0"/>
+              <a:ext uri="{FF2B5EF4-FFF2-40B4-BE49-F238E27FC236}">
+                <a16:creationId xmlns:a16="http://schemas.microsoft.com/office/drawing/2014/main" id="{9BC2AF6E-17D2-4906-B178-3DA664011632}"/>
               </a:ext>
             </a:extLst>
-          </a:blip>
-          <a:stretch>
-            <a:fillRect/>
-          </a:stretch>
-        </p:blipFill>
+          </p:cNvPr>
+          <p:cNvSpPr txBox="1"/>
+          <p:nvPr/>
+        </p:nvSpPr>
         <p:spPr>
           <a:xfrm>
-            <a:off x="2894075" y="33156360"/>
-            <a:ext cx="6658100" cy="4989603"/>
+            <a:off x="17547217" y="23260154"/>
+            <a:ext cx="9055586" cy="7540526"/>
           </a:xfrm>
           <a:prstGeom prst="rect">
             <a:avLst/>
           </a:prstGeom>
-        </p:spPr>
-      </p:pic>
+          <a:noFill/>
+        </p:spPr>
+        <p:txBody>
+          <a:bodyPr wrap="square" rtlCol="0">
+            <a:spAutoFit/>
+          </a:bodyPr>
+          <a:lstStyle/>
+          <a:p>
+            <a:pPr algn="just"/>
+            <a:r>
+              <a:rPr lang="fr-BE" sz="4400" dirty="0"/>
+              <a:t>	En fonction de la prédiction, le contrôleur va activer l’un des moteurs. Ce dernier est collé au couvercle, lors de son mouvement, il pousse contre une tige attachée au corps de la poubelle, ce qui lui permet d’ouvrir la poubelle.</a:t>
+            </a:r>
+          </a:p>
+          <a:p>
+            <a:pPr algn="just"/>
+            <a:r>
+              <a:rPr lang="fr-BE" sz="4400" dirty="0"/>
+              <a:t>	Après un certain temps, le servo moteur se réactive, revenant à sa position de départ et refermant la poubelle.</a:t>
+            </a:r>
+          </a:p>
+        </p:txBody>
+      </p:sp>
+      <p:sp>
+        <p:nvSpPr>
+          <p:cNvPr id="41" name="ZoneTexte 40">
+            <a:extLst>
+              <a:ext uri="{FF2B5EF4-FFF2-40B4-BE49-F238E27FC236}">
+                <a16:creationId xmlns:a16="http://schemas.microsoft.com/office/drawing/2014/main" id="{867569C2-630E-4985-8FB9-18135AC6153D}"/>
+              </a:ext>
+            </a:extLst>
+          </p:cNvPr>
+          <p:cNvSpPr txBox="1"/>
+          <p:nvPr/>
+        </p:nvSpPr>
+        <p:spPr>
+          <a:xfrm>
+            <a:off x="17699617" y="21973403"/>
+            <a:ext cx="6895345" cy="1132957"/>
+          </a:xfrm>
+          <a:prstGeom prst="rect">
+            <a:avLst/>
+          </a:prstGeom>
+          <a:solidFill>
+            <a:schemeClr val="lt1"/>
+          </a:solidFill>
+          <a:ln w="177800" cap="flat" cmpd="sng">
+            <a:noFill/>
+            <a:round/>
+          </a:ln>
+          <a:effectLst>
+            <a:softEdge rad="0"/>
+          </a:effectLst>
+        </p:spPr>
+        <p:style>
+          <a:lnRef idx="2">
+            <a:schemeClr val="accent6"/>
+          </a:lnRef>
+          <a:fillRef idx="1">
+            <a:schemeClr val="lt1"/>
+          </a:fillRef>
+          <a:effectRef idx="0">
+            <a:schemeClr val="accent6"/>
+          </a:effectRef>
+          <a:fontRef idx="minor">
+            <a:schemeClr val="dk1"/>
+          </a:fontRef>
+        </p:style>
+        <p:txBody>
+          <a:bodyPr wrap="square" lIns="180000" tIns="180000" rIns="180000" bIns="180000" rtlCol="0">
+            <a:spAutoFit/>
+          </a:bodyPr>
+          <a:lstStyle/>
+          <a:p>
+            <a:pPr algn="ctr"/>
+            <a:r>
+              <a:rPr lang="fr-FR" altLang="fr-FR" sz="5000" b="1" dirty="0">
+                <a:solidFill>
+                  <a:srgbClr val="6C5098"/>
+                </a:solidFill>
+              </a:rPr>
+              <a:t>Design des poubelles</a:t>
+            </a:r>
+          </a:p>
+        </p:txBody>
+      </p:sp>
       <p:pic>
         <p:nvPicPr>
-          <p:cNvPr id="24" name="Image 23"/>
+          <p:cNvPr id="27" name="Image 26" descr="Une image contenant neige, parapluie, blanc, skiant&#10;&#10;Description générée automatiquement">
+            <a:extLst>
+              <a:ext uri="{FF2B5EF4-FFF2-40B4-BE49-F238E27FC236}">
+                <a16:creationId xmlns:a16="http://schemas.microsoft.com/office/drawing/2014/main" id="{8D4FEDF8-21B5-4A06-8381-83FF1DF53D28}"/>
+              </a:ext>
+            </a:extLst>
+          </p:cNvPr>
           <p:cNvPicPr>
             <a:picLocks noChangeAspect="1"/>
           </p:cNvPicPr>
@@ -5661,8 +5586,8 @@
         </p:blipFill>
         <p:spPr>
           <a:xfrm>
-            <a:off x="18158653" y="17989758"/>
-            <a:ext cx="12544608" cy="3670723"/>
+            <a:off x="2892144" y="35781805"/>
+            <a:ext cx="4876800" cy="3657600"/>
           </a:xfrm>
           <a:prstGeom prst="rect">
             <a:avLst/>
@@ -5671,7 +5596,13 @@
       </p:pic>
       <p:pic>
         <p:nvPicPr>
-          <p:cNvPr id="26" name="Image 25"/>
+          <p:cNvPr id="2048" name="Image 2047" descr="Une image contenant intérieur, tasse, table, assis&#10;&#10;Description générée automatiquement">
+            <a:extLst>
+              <a:ext uri="{FF2B5EF4-FFF2-40B4-BE49-F238E27FC236}">
+                <a16:creationId xmlns:a16="http://schemas.microsoft.com/office/drawing/2014/main" id="{3B0EF2B4-6A0F-4897-B77C-8470287BE156}"/>
+              </a:ext>
+            </a:extLst>
+          </p:cNvPr>
           <p:cNvPicPr>
             <a:picLocks noChangeAspect="1"/>
           </p:cNvPicPr>
@@ -5691,8 +5622,8 @@
         </p:blipFill>
         <p:spPr>
           <a:xfrm>
-            <a:off x="18769029" y="25957423"/>
-            <a:ext cx="11456037" cy="3870406"/>
+            <a:off x="8708239" y="35781805"/>
+            <a:ext cx="4876800" cy="3657600"/>
           </a:xfrm>
           <a:prstGeom prst="rect">
             <a:avLst/>
@@ -5701,7 +5632,13 @@
       </p:pic>
       <p:pic>
         <p:nvPicPr>
-          <p:cNvPr id="29" name="Image 28"/>
+          <p:cNvPr id="2050" name="Image 2049" descr="Une image contenant boîte&#10;&#10;Description générée automatiquement">
+            <a:extLst>
+              <a:ext uri="{FF2B5EF4-FFF2-40B4-BE49-F238E27FC236}">
+                <a16:creationId xmlns:a16="http://schemas.microsoft.com/office/drawing/2014/main" id="{E8E06BD3-0199-484C-9318-93C1E4574040}"/>
+              </a:ext>
+            </a:extLst>
+          </p:cNvPr>
           <p:cNvPicPr>
             <a:picLocks noChangeAspect="1"/>
           </p:cNvPicPr>
@@ -5721,24 +5658,102 @@
         </p:blipFill>
         <p:spPr>
           <a:xfrm>
-            <a:off x="18702939" y="33155987"/>
-            <a:ext cx="11588215" cy="2956921"/>
+            <a:off x="14492344" y="35781805"/>
+            <a:ext cx="4876800" cy="3657600"/>
           </a:xfrm>
           <a:prstGeom prst="rect">
             <a:avLst/>
           </a:prstGeom>
         </p:spPr>
       </p:pic>
-      <p:sp>
-        <p:nvSpPr>
-          <p:cNvPr id="6" name="ZoneTexte 5"/>
+      <p:pic>
+        <p:nvPicPr>
+          <p:cNvPr id="2053" name="Image 2052" descr="Une image contenant bouteille, table, assis, alimentation&#10;&#10;Description générée automatiquement">
+            <a:extLst>
+              <a:ext uri="{FF2B5EF4-FFF2-40B4-BE49-F238E27FC236}">
+                <a16:creationId xmlns:a16="http://schemas.microsoft.com/office/drawing/2014/main" id="{9C4839E5-D42B-4B00-B29F-FA2E0B36EA50}"/>
+              </a:ext>
+            </a:extLst>
+          </p:cNvPr>
+          <p:cNvPicPr>
+            <a:picLocks noChangeAspect="1"/>
+          </p:cNvPicPr>
+          <p:nvPr/>
+        </p:nvPicPr>
+        <p:blipFill>
+          <a:blip r:embed="rId14">
+            <a:extLst>
+              <a:ext uri="{28A0092B-C50C-407E-A947-70E740481C1C}">
+                <a14:useLocalDpi xmlns:a14="http://schemas.microsoft.com/office/drawing/2010/main" val="0"/>
+              </a:ext>
+            </a:extLst>
+          </a:blip>
+          <a:stretch>
+            <a:fillRect/>
+          </a:stretch>
+        </p:blipFill>
+        <p:spPr>
+          <a:xfrm>
+            <a:off x="26078245" y="35781805"/>
+            <a:ext cx="4891099" cy="3657600"/>
+          </a:xfrm>
+          <a:prstGeom prst="rect">
+            <a:avLst/>
+          </a:prstGeom>
+        </p:spPr>
+      </p:pic>
+      <p:pic>
+        <p:nvPicPr>
+          <p:cNvPr id="2056" name="Image 2055" descr="Une image contenant alimentation, orange, tranche, assis&#10;&#10;Description générée automatiquement">
+            <a:extLst>
+              <a:ext uri="{FF2B5EF4-FFF2-40B4-BE49-F238E27FC236}">
+                <a16:creationId xmlns:a16="http://schemas.microsoft.com/office/drawing/2014/main" id="{11BE9694-6A02-481F-B656-BBA4B1A4AB28}"/>
+              </a:ext>
+            </a:extLst>
+          </p:cNvPr>
+          <p:cNvPicPr>
+            <a:picLocks noChangeAspect="1"/>
+          </p:cNvPicPr>
+          <p:nvPr/>
+        </p:nvPicPr>
+        <p:blipFill>
+          <a:blip r:embed="rId15" cstate="print">
+            <a:extLst>
+              <a:ext uri="{28A0092B-C50C-407E-A947-70E740481C1C}">
+                <a14:useLocalDpi xmlns:a14="http://schemas.microsoft.com/office/drawing/2010/main" val="0"/>
+              </a:ext>
+            </a:extLst>
+          </a:blip>
+          <a:stretch>
+            <a:fillRect/>
+          </a:stretch>
+        </p:blipFill>
+        <p:spPr>
+          <a:xfrm>
+            <a:off x="20294140" y="35781805"/>
+            <a:ext cx="4876800" cy="3657600"/>
+          </a:xfrm>
+          <a:prstGeom prst="rect">
+            <a:avLst/>
+          </a:prstGeom>
+        </p:spPr>
+      </p:pic>
+      <p:sp>
+        <p:nvSpPr>
+          <p:cNvPr id="52" name="ZoneTexte 51">
+            <a:extLst>
+              <a:ext uri="{FF2B5EF4-FFF2-40B4-BE49-F238E27FC236}">
+                <a16:creationId xmlns:a16="http://schemas.microsoft.com/office/drawing/2014/main" id="{3617F95F-0A23-4EDE-8D00-6210D9272568}"/>
+              </a:ext>
+            </a:extLst>
+          </p:cNvPr>
           <p:cNvSpPr txBox="1"/>
           <p:nvPr/>
         </p:nvSpPr>
         <p:spPr>
           <a:xfrm>
-            <a:off x="9965121" y="26006624"/>
-            <a:ext cx="5472608" cy="4154984"/>
+            <a:off x="3062570" y="31394913"/>
+            <a:ext cx="28077200" cy="2123658"/>
           </a:xfrm>
           <a:prstGeom prst="rect">
             <a:avLst/>
@@ -5751,64 +5766,40 @@
           </a:bodyPr>
           <a:lstStyle/>
           <a:p>
-            <a:r>
-              <a:rPr lang="fr-FR" sz="4400" dirty="0" smtClean="0"/>
-              <a:t>On détermine la séparation entre nos différentes classes (c’est la ligne séparant les deux classes du schéma).</a:t>
-            </a:r>
-            <a:endParaRPr lang="fr-FR" sz="4400" dirty="0"/>
-          </a:p>
-        </p:txBody>
-      </p:sp>
-      <p:sp>
-        <p:nvSpPr>
-          <p:cNvPr id="30" name="ZoneTexte 29"/>
-          <p:cNvSpPr txBox="1"/>
+            <a:pPr algn="just"/>
+            <a:r>
+              <a:rPr lang="fr-BE" sz="4400" dirty="0"/>
+              <a:t>	Le modèle est entraîné sur une base de données divisée en cinq catégories de déchets (sac blanc, bleu, jaune et orange, ainsi que le verre). Pour minimiser les perturbations liées à la reconnaissance d’images, les photos possèdent les mêmes dimensions et les objets sont exposés sur fond blanc.</a:t>
+            </a:r>
+          </a:p>
+        </p:txBody>
+      </p:sp>
+      <p:sp>
+        <p:nvSpPr>
+          <p:cNvPr id="2057" name="Rectangle 2056">
+            <a:extLst>
+              <a:ext uri="{FF2B5EF4-FFF2-40B4-BE49-F238E27FC236}">
+                <a16:creationId xmlns:a16="http://schemas.microsoft.com/office/drawing/2014/main" id="{6217EF82-F625-4D8F-B094-1C718EE88EF7}"/>
+              </a:ext>
+            </a:extLst>
+          </p:cNvPr>
+          <p:cNvSpPr/>
           <p:nvPr/>
         </p:nvSpPr>
-        <p:spPr>
+        <p:spPr bwMode="auto">
           <a:xfrm>
-            <a:off x="9965121" y="18190402"/>
-            <a:ext cx="5472608" cy="2800767"/>
+            <a:off x="2892144" y="34701936"/>
+            <a:ext cx="4876800" cy="690059"/>
           </a:xfrm>
           <a:prstGeom prst="rect">
             <a:avLst/>
           </a:prstGeom>
-          <a:noFill/>
-        </p:spPr>
-        <p:txBody>
-          <a:bodyPr wrap="square" rtlCol="0">
-            <a:spAutoFit/>
-          </a:bodyPr>
-          <a:lstStyle/>
-          <a:p>
-            <a:r>
-              <a:rPr lang="fr-BE" sz="4400" dirty="0"/>
-              <a:t>Une image sera résumée par un ensemble de pixels clés.</a:t>
-            </a:r>
-            <a:endParaRPr lang="fr-FR" sz="4400" dirty="0"/>
-          </a:p>
-        </p:txBody>
-      </p:sp>
-      <p:sp>
-        <p:nvSpPr>
-          <p:cNvPr id="12" name="Ellipse 11"/>
-          <p:cNvSpPr/>
-          <p:nvPr/>
-        </p:nvSpPr>
-        <p:spPr bwMode="auto">
-          <a:xfrm>
-            <a:off x="7705704" y="34570964"/>
-            <a:ext cx="294248" cy="294857"/>
-          </a:xfrm>
-          <a:prstGeom prst="ellipse">
-            <a:avLst/>
-          </a:prstGeom>
           <a:solidFill>
-            <a:srgbClr val="6C5098"/>
+            <a:schemeClr val="bg1"/>
           </a:solidFill>
           <a:ln w="9525" cap="flat" cmpd="sng" algn="ctr">
             <a:solidFill>
-              <a:schemeClr val="bg1"/>
+              <a:schemeClr val="tx1"/>
             </a:solidFill>
             <a:prstDash val="solid"/>
             <a:round/>
@@ -5816,7 +5807,6 @@
             <a:tailEnd type="none" w="med" len="med"/>
           </a:ln>
           <a:effectLst/>
-          <a:extLst/>
         </p:spPr>
         <p:txBody>
           <a:bodyPr vert="horz" wrap="square" lIns="91440" tIns="45720" rIns="91440" bIns="45720" numCol="1" rtlCol="0" anchor="t" anchorCtr="0" compatLnSpc="1">
@@ -5826,7 +5816,7 @@
           </a:bodyPr>
           <a:lstStyle/>
           <a:p>
-            <a:pPr marL="0" marR="0" indent="0" algn="l" defTabSz="914400" rtl="0" eaLnBrk="0" fontAlgn="base" latinLnBrk="0" hangingPunct="0">
+            <a:pPr marL="0" marR="0" indent="0" algn="ctr" defTabSz="914400" rtl="0" eaLnBrk="0" fontAlgn="base" latinLnBrk="0" hangingPunct="0">
               <a:lnSpc>
                 <a:spcPct val="100000"/>
               </a:lnSpc>
@@ -5842,7 +5832,13 @@
               <a:buNone/>
               <a:tabLst/>
             </a:pPr>
-            <a:endParaRPr kumimoji="0" lang="fr-FR" sz="2400" b="0" i="0" u="none" strike="noStrike" cap="none" normalizeH="0" baseline="0" smtClean="0">
+            <a:r>
+              <a:rPr lang="fr-FR" sz="4000" dirty="0">
+                <a:ea typeface="ＭＳ Ｐゴシック" pitchFamily="1" charset="-128"/>
+              </a:rPr>
+              <a:t>Résiduels</a:t>
+            </a:r>
+            <a:endParaRPr kumimoji="0" lang="fr-FR" sz="4000" b="0" i="0" u="none" strike="noStrike" cap="none" normalizeH="0" baseline="0" dirty="0">
               <a:ln>
                 <a:noFill/>
               </a:ln>
@@ -5858,231 +5854,304 @@
       </p:sp>
       <p:sp>
         <p:nvSpPr>
-          <p:cNvPr id="22" name="ZoneTexte 21"/>
-          <p:cNvSpPr txBox="1"/>
+          <p:cNvPr id="59" name="Rectangle 58">
+            <a:extLst>
+              <a:ext uri="{FF2B5EF4-FFF2-40B4-BE49-F238E27FC236}">
+                <a16:creationId xmlns:a16="http://schemas.microsoft.com/office/drawing/2014/main" id="{9C5EDE9D-9ECC-4D5C-83E8-7C0E1088FDEF}"/>
+              </a:ext>
+            </a:extLst>
+          </p:cNvPr>
+          <p:cNvSpPr/>
           <p:nvPr/>
         </p:nvSpPr>
-        <p:spPr>
+        <p:spPr bwMode="auto">
           <a:xfrm>
-            <a:off x="7138817" y="34061959"/>
-            <a:ext cx="1428022" cy="461665"/>
+            <a:off x="8735342" y="34691826"/>
+            <a:ext cx="4876800" cy="690059"/>
           </a:xfrm>
           <a:prstGeom prst="rect">
             <a:avLst/>
           </a:prstGeom>
-          <a:noFill/>
-        </p:spPr>
-        <p:txBody>
-          <a:bodyPr wrap="square" rtlCol="0">
-            <a:spAutoFit/>
+          <a:solidFill>
+            <a:srgbClr val="007FFF"/>
+          </a:solidFill>
+          <a:ln w="9525" cap="flat" cmpd="sng" algn="ctr">
+            <a:solidFill>
+              <a:schemeClr val="tx1"/>
+            </a:solidFill>
+            <a:prstDash val="solid"/>
+            <a:round/>
+            <a:headEnd type="none" w="med" len="med"/>
+            <a:tailEnd type="none" w="med" len="med"/>
+          </a:ln>
+          <a:effectLst/>
+        </p:spPr>
+        <p:txBody>
+          <a:bodyPr vert="horz" wrap="square" lIns="91440" tIns="45720" rIns="91440" bIns="45720" numCol="1" rtlCol="0" anchor="t" anchorCtr="0" compatLnSpc="1">
+            <a:prstTxWarp prst="textNoShape">
+              <a:avLst/>
+            </a:prstTxWarp>
           </a:bodyPr>
           <a:lstStyle/>
           <a:p>
-            <a:r>
-              <a:rPr lang="fr-FR" dirty="0" smtClean="0">
+            <a:pPr marL="0" marR="0" indent="0" algn="ctr" defTabSz="914400" rtl="0" eaLnBrk="0" fontAlgn="base" latinLnBrk="0" hangingPunct="0">
+              <a:lnSpc>
+                <a:spcPct val="100000"/>
+              </a:lnSpc>
+              <a:spcBef>
+                <a:spcPct val="0"/>
+              </a:spcBef>
+              <a:spcAft>
+                <a:spcPct val="0"/>
+              </a:spcAft>
+              <a:buClrTx/>
+              <a:buSzTx/>
+              <a:buFontTx/>
+              <a:buNone/>
+              <a:tabLst/>
+            </a:pPr>
+            <a:r>
+              <a:rPr kumimoji="0" lang="fr-FR" sz="4000" b="0" i="0" u="none" strike="noStrike" cap="none" normalizeH="0" baseline="0" dirty="0">
+                <a:ln>
+                  <a:noFill/>
+                </a:ln>
                 <a:solidFill>
-                  <a:srgbClr val="6C5098"/>
+                  <a:schemeClr val="tx1"/>
                 </a:solidFill>
+                <a:effectLst/>
+                <a:latin typeface="Arial" charset="0"/>
+                <a:ea typeface="ＭＳ Ｐゴシック" pitchFamily="1" charset="-128"/>
               </a:rPr>
-              <a:t>Nouveau</a:t>
-            </a:r>
-            <a:endParaRPr lang="fr-FR" dirty="0">
-              <a:solidFill>
-                <a:srgbClr val="6C5098"/>
-              </a:solidFill>
-            </a:endParaRPr>
-          </a:p>
-        </p:txBody>
-      </p:sp>
-      <p:sp>
-        <p:nvSpPr>
-          <p:cNvPr id="35" name="ZoneTexte 34"/>
-          <p:cNvSpPr txBox="1"/>
+              <a:t>PMC</a:t>
+            </a:r>
+          </a:p>
+        </p:txBody>
+      </p:sp>
+      <p:sp>
+        <p:nvSpPr>
+          <p:cNvPr id="60" name="Rectangle 59">
+            <a:extLst>
+              <a:ext uri="{FF2B5EF4-FFF2-40B4-BE49-F238E27FC236}">
+                <a16:creationId xmlns:a16="http://schemas.microsoft.com/office/drawing/2014/main" id="{A814BE8E-FCFD-4AD5-9941-808E23D2AB08}"/>
+              </a:ext>
+            </a:extLst>
+          </p:cNvPr>
+          <p:cNvSpPr/>
           <p:nvPr/>
         </p:nvSpPr>
-        <p:spPr>
+        <p:spPr bwMode="auto">
           <a:xfrm>
-            <a:off x="9965920" y="33265894"/>
-            <a:ext cx="5472608" cy="3477875"/>
+            <a:off x="14450942" y="34691826"/>
+            <a:ext cx="4876800" cy="690059"/>
           </a:xfrm>
           <a:prstGeom prst="rect">
             <a:avLst/>
           </a:prstGeom>
-          <a:noFill/>
-        </p:spPr>
-        <p:txBody>
-          <a:bodyPr wrap="square" rtlCol="0">
-            <a:spAutoFit/>
+          <a:solidFill>
+            <a:srgbClr val="FFFF33"/>
+          </a:solidFill>
+          <a:ln w="9525" cap="flat" cmpd="sng" algn="ctr">
+            <a:solidFill>
+              <a:schemeClr val="tx1"/>
+            </a:solidFill>
+            <a:prstDash val="solid"/>
+            <a:round/>
+            <a:headEnd type="none" w="med" len="med"/>
+            <a:tailEnd type="none" w="med" len="med"/>
+          </a:ln>
+          <a:effectLst/>
+        </p:spPr>
+        <p:txBody>
+          <a:bodyPr vert="horz" wrap="square" lIns="91440" tIns="45720" rIns="91440" bIns="45720" numCol="1" rtlCol="0" anchor="t" anchorCtr="0" compatLnSpc="1">
+            <a:prstTxWarp prst="textNoShape">
+              <a:avLst/>
+            </a:prstTxWarp>
           </a:bodyPr>
           <a:lstStyle/>
           <a:p>
-            <a:r>
-              <a:rPr lang="fr-FR" sz="4400" dirty="0" smtClean="0"/>
-              <a:t>La classe du nouvel élément est donnée par sa position par rapport à la séparation.</a:t>
-            </a:r>
-            <a:endParaRPr lang="fr-FR" sz="4400" dirty="0"/>
-          </a:p>
-        </p:txBody>
-      </p:sp>
-      <p:sp>
-        <p:nvSpPr>
-          <p:cNvPr id="32" name="ZoneTexte 31"/>
-          <p:cNvSpPr txBox="1"/>
+            <a:pPr marL="0" marR="0" indent="0" algn="ctr" defTabSz="914400" rtl="0" eaLnBrk="0" fontAlgn="base" latinLnBrk="0" hangingPunct="0">
+              <a:lnSpc>
+                <a:spcPct val="100000"/>
+              </a:lnSpc>
+              <a:spcBef>
+                <a:spcPct val="0"/>
+              </a:spcBef>
+              <a:spcAft>
+                <a:spcPct val="0"/>
+              </a:spcAft>
+              <a:buClrTx/>
+              <a:buSzTx/>
+              <a:buFontTx/>
+              <a:buNone/>
+              <a:tabLst/>
+            </a:pPr>
+            <a:r>
+              <a:rPr kumimoji="0" lang="fr-FR" sz="4000" b="0" i="0" u="none" strike="noStrike" cap="none" normalizeH="0" baseline="0" dirty="0">
+                <a:ln>
+                  <a:noFill/>
+                </a:ln>
+                <a:solidFill>
+                  <a:schemeClr val="tx1"/>
+                </a:solidFill>
+                <a:effectLst/>
+                <a:latin typeface="Arial" charset="0"/>
+                <a:ea typeface="ＭＳ Ｐゴシック" pitchFamily="1" charset="-128"/>
+              </a:rPr>
+              <a:t>Papier-Carton</a:t>
+            </a:r>
+          </a:p>
+        </p:txBody>
+      </p:sp>
+      <p:sp>
+        <p:nvSpPr>
+          <p:cNvPr id="61" name="Rectangle 60">
+            <a:extLst>
+              <a:ext uri="{FF2B5EF4-FFF2-40B4-BE49-F238E27FC236}">
+                <a16:creationId xmlns:a16="http://schemas.microsoft.com/office/drawing/2014/main" id="{0670A476-3716-4CCB-B332-AD26F413D6E4}"/>
+              </a:ext>
+            </a:extLst>
+          </p:cNvPr>
+          <p:cNvSpPr/>
           <p:nvPr/>
         </p:nvSpPr>
-        <p:spPr>
+        <p:spPr bwMode="auto">
           <a:xfrm>
-            <a:off x="18769028" y="22282230"/>
-            <a:ext cx="12544609" cy="1446550"/>
+            <a:off x="20294140" y="34691827"/>
+            <a:ext cx="4876800" cy="690059"/>
           </a:xfrm>
           <a:prstGeom prst="rect">
             <a:avLst/>
           </a:prstGeom>
-          <a:noFill/>
-        </p:spPr>
-        <p:txBody>
-          <a:bodyPr wrap="square" rtlCol="0">
-            <a:spAutoFit/>
+          <a:solidFill>
+            <a:srgbClr val="FF9933"/>
+          </a:solidFill>
+          <a:ln w="9525" cap="flat" cmpd="sng" algn="ctr">
+            <a:solidFill>
+              <a:schemeClr val="tx1"/>
+            </a:solidFill>
+            <a:prstDash val="solid"/>
+            <a:round/>
+            <a:headEnd type="none" w="med" len="med"/>
+            <a:tailEnd type="none" w="med" len="med"/>
+          </a:ln>
+          <a:effectLst/>
+        </p:spPr>
+        <p:txBody>
+          <a:bodyPr vert="horz" wrap="square" lIns="91440" tIns="45720" rIns="91440" bIns="45720" numCol="1" rtlCol="0" anchor="t" anchorCtr="0" compatLnSpc="1">
+            <a:prstTxWarp prst="textNoShape">
+              <a:avLst/>
+            </a:prstTxWarp>
           </a:bodyPr>
           <a:lstStyle/>
           <a:p>
-            <a:r>
-              <a:rPr lang="fr-BE" sz="4400" dirty="0" smtClean="0"/>
-              <a:t>On détermine les paramètres du modèle (nombre de couches, définition des filtres …).</a:t>
-            </a:r>
-            <a:endParaRPr lang="fr-FR" sz="4400" dirty="0"/>
-          </a:p>
-        </p:txBody>
-      </p:sp>
-      <p:sp>
-        <p:nvSpPr>
-          <p:cNvPr id="39" name="ZoneTexte 38"/>
-          <p:cNvSpPr txBox="1"/>
+            <a:pPr marL="0" marR="0" indent="0" algn="ctr" defTabSz="914400" rtl="0" eaLnBrk="0" fontAlgn="base" latinLnBrk="0" hangingPunct="0">
+              <a:lnSpc>
+                <a:spcPct val="100000"/>
+              </a:lnSpc>
+              <a:spcBef>
+                <a:spcPct val="0"/>
+              </a:spcBef>
+              <a:spcAft>
+                <a:spcPct val="0"/>
+              </a:spcAft>
+              <a:buClrTx/>
+              <a:buSzTx/>
+              <a:buFontTx/>
+              <a:buNone/>
+              <a:tabLst/>
+            </a:pPr>
+            <a:r>
+              <a:rPr lang="fr-FR" sz="4000" dirty="0">
+                <a:ea typeface="ＭＳ Ｐゴシック" pitchFamily="1" charset="-128"/>
+              </a:rPr>
+              <a:t>Alimentaires</a:t>
+            </a:r>
+            <a:endParaRPr kumimoji="0" lang="fr-FR" sz="4000" b="0" i="0" u="none" strike="noStrike" cap="none" normalizeH="0" baseline="0" dirty="0">
+              <a:ln>
+                <a:noFill/>
+              </a:ln>
+              <a:solidFill>
+                <a:schemeClr val="tx1"/>
+              </a:solidFill>
+              <a:effectLst/>
+              <a:latin typeface="Arial" charset="0"/>
+              <a:ea typeface="ＭＳ Ｐゴシック" pitchFamily="1" charset="-128"/>
+            </a:endParaRPr>
+          </a:p>
+        </p:txBody>
+      </p:sp>
+      <p:sp>
+        <p:nvSpPr>
+          <p:cNvPr id="62" name="Rectangle 61">
+            <a:extLst>
+              <a:ext uri="{FF2B5EF4-FFF2-40B4-BE49-F238E27FC236}">
+                <a16:creationId xmlns:a16="http://schemas.microsoft.com/office/drawing/2014/main" id="{855F5B58-21C2-4706-93B9-A644CEB776F6}"/>
+              </a:ext>
+            </a:extLst>
+          </p:cNvPr>
+          <p:cNvSpPr/>
           <p:nvPr/>
         </p:nvSpPr>
-        <p:spPr>
+        <p:spPr bwMode="auto">
           <a:xfrm>
-            <a:off x="18769027" y="30209521"/>
-            <a:ext cx="12544609" cy="769441"/>
+            <a:off x="26078245" y="34701935"/>
+            <a:ext cx="4876800" cy="690059"/>
           </a:xfrm>
           <a:prstGeom prst="rect">
             <a:avLst/>
           </a:prstGeom>
-          <a:noFill/>
-        </p:spPr>
-        <p:txBody>
-          <a:bodyPr wrap="square" rtlCol="0">
-            <a:spAutoFit/>
+          <a:solidFill>
+            <a:srgbClr val="009900"/>
+          </a:solidFill>
+          <a:ln w="9525" cap="flat" cmpd="sng" algn="ctr">
+            <a:solidFill>
+              <a:schemeClr val="tx1"/>
+            </a:solidFill>
+            <a:prstDash val="solid"/>
+            <a:round/>
+            <a:headEnd type="none" w="med" len="med"/>
+            <a:tailEnd type="none" w="med" len="med"/>
+          </a:ln>
+          <a:effectLst/>
+        </p:spPr>
+        <p:txBody>
+          <a:bodyPr vert="horz" wrap="square" lIns="91440" tIns="45720" rIns="91440" bIns="45720" numCol="1" rtlCol="0" anchor="t" anchorCtr="0" compatLnSpc="1">
+            <a:prstTxWarp prst="textNoShape">
+              <a:avLst/>
+            </a:prstTxWarp>
           </a:bodyPr>
           <a:lstStyle/>
           <a:p>
-            <a:r>
-              <a:rPr lang="fr-BE" sz="4400" dirty="0" smtClean="0"/>
-              <a:t>On entraîne le réseau sur la base de données.</a:t>
-            </a:r>
-            <a:endParaRPr lang="fr-FR" sz="4400" dirty="0"/>
-          </a:p>
-        </p:txBody>
-      </p:sp>
-      <p:sp>
-        <p:nvSpPr>
-          <p:cNvPr id="40" name="ZoneTexte 39"/>
-          <p:cNvSpPr txBox="1"/>
-          <p:nvPr/>
-        </p:nvSpPr>
-        <p:spPr>
-          <a:xfrm>
-            <a:off x="18769026" y="36550622"/>
-            <a:ext cx="12544609" cy="1446550"/>
-          </a:xfrm>
-          <a:prstGeom prst="rect">
-            <a:avLst/>
-          </a:prstGeom>
-          <a:noFill/>
-        </p:spPr>
-        <p:txBody>
-          <a:bodyPr wrap="square" rtlCol="0">
-            <a:spAutoFit/>
-          </a:bodyPr>
-          <a:lstStyle/>
-          <a:p>
-            <a:r>
-              <a:rPr lang="fr-BE" sz="4400" dirty="0" smtClean="0"/>
-              <a:t>On classe une nouvelle image via un taux de similarité, calculé pour chaque classe .</a:t>
-            </a:r>
-            <a:endParaRPr lang="fr-FR" sz="4400" dirty="0"/>
-          </a:p>
-        </p:txBody>
-      </p:sp>
-      <p:sp>
-        <p:nvSpPr>
-          <p:cNvPr id="34" name="ZoneTexte 33"/>
-          <p:cNvSpPr txBox="1"/>
-          <p:nvPr/>
-        </p:nvSpPr>
-        <p:spPr>
-          <a:xfrm>
-            <a:off x="2892144" y="11880832"/>
-            <a:ext cx="28077200" cy="2800767"/>
-          </a:xfrm>
-          <a:prstGeom prst="rect">
-            <a:avLst/>
-          </a:prstGeom>
-          <a:noFill/>
-        </p:spPr>
-        <p:txBody>
-          <a:bodyPr wrap="square" rtlCol="0">
-            <a:spAutoFit/>
-          </a:bodyPr>
-          <a:lstStyle/>
-          <a:p>
-            <a:r>
-              <a:rPr lang="fr-BE" sz="4400" dirty="0" smtClean="0"/>
-              <a:t>Le but du projet est d’automatiser le tri des déchets via la reconnaissance d’image. Il s’agit ainsi d’un problème de classification pour lequel deux méthodes ont été explorées et testées :</a:t>
-            </a:r>
-          </a:p>
-          <a:p>
-            <a:pPr marL="742950" indent="-742950">
-              <a:buAutoNum type="arabicParenR"/>
+            <a:pPr marL="0" marR="0" indent="0" algn="ctr" defTabSz="914400" rtl="0" eaLnBrk="0" fontAlgn="base" latinLnBrk="0" hangingPunct="0">
+              <a:lnSpc>
+                <a:spcPct val="100000"/>
+              </a:lnSpc>
+              <a:spcBef>
+                <a:spcPct val="0"/>
+              </a:spcBef>
+              <a:spcAft>
+                <a:spcPct val="0"/>
+              </a:spcAft>
+              <a:buClrTx/>
+              <a:buSzTx/>
+              <a:buFontTx/>
+              <a:buNone/>
+              <a:tabLst/>
             </a:pPr>
             <a:r>
-              <a:rPr lang="fr-BE" sz="4400" dirty="0" smtClean="0"/>
-              <a:t>SVM (Support </a:t>
-            </a:r>
-            <a:r>
-              <a:rPr lang="fr-BE" sz="4400" dirty="0" err="1" smtClean="0"/>
-              <a:t>Vector</a:t>
-            </a:r>
-            <a:r>
-              <a:rPr lang="fr-BE" sz="4400" dirty="0" smtClean="0"/>
-              <a:t> Machine)</a:t>
-            </a:r>
-          </a:p>
-          <a:p>
-            <a:pPr marL="742950" indent="-742950">
-              <a:buAutoNum type="arabicParenR"/>
-            </a:pPr>
-            <a:r>
-              <a:rPr lang="fr-BE" sz="4400" dirty="0"/>
-              <a:t>CNN </a:t>
-            </a:r>
-            <a:r>
-              <a:rPr lang="fr-BE" sz="4400" dirty="0" smtClean="0"/>
-              <a:t>(</a:t>
-            </a:r>
-            <a:r>
-              <a:rPr lang="fr-BE" sz="4400" dirty="0" err="1" smtClean="0"/>
-              <a:t>Convolutional</a:t>
-            </a:r>
-            <a:r>
-              <a:rPr lang="fr-BE" sz="4400" dirty="0" smtClean="0"/>
-              <a:t> Neural Network</a:t>
-            </a:r>
-            <a:r>
-              <a:rPr lang="fr-BE" sz="4400" dirty="0"/>
-              <a:t>)</a:t>
-            </a:r>
-            <a:endParaRPr lang="fr-FR" sz="4400" dirty="0"/>
+              <a:rPr kumimoji="0" lang="fr-FR" sz="4000" b="0" i="0" u="none" strike="noStrike" cap="none" normalizeH="0" baseline="0" dirty="0">
+                <a:ln>
+                  <a:noFill/>
+                </a:ln>
+                <a:solidFill>
+                  <a:schemeClr val="tx1"/>
+                </a:solidFill>
+                <a:effectLst/>
+                <a:latin typeface="Arial" charset="0"/>
+                <a:ea typeface="ＭＳ Ｐゴシック" pitchFamily="1" charset="-128"/>
+              </a:rPr>
+              <a:t>Verre</a:t>
+            </a:r>
           </a:p>
         </p:txBody>
       </p:sp>

--- a/PDS-INFO-1-G5.pptx
+++ b/PDS-INFO-1-G5.pptx
@@ -159,6 +159,43 @@
 </p:presentation>
 </file>
 
+<file path=ppt/changesInfos/changesInfo1.xml><?xml version="1.0" encoding="utf-8"?>
+<pc:chgInfo xmlns:a="http://schemas.openxmlformats.org/drawingml/2006/main" xmlns:r="http://schemas.openxmlformats.org/officeDocument/2006/relationships" xmlns:ac="http://schemas.microsoft.com/office/drawing/2013/main/command" xmlns:pc="http://schemas.microsoft.com/office/powerpoint/2013/main/command">
+  <pc:docChgLst>
+    <pc:chgData name="Brice.Petit@ulb.ac.be" userId="471340c5-ea36-4afb-85d4-5000669cca5d" providerId="ADAL" clId="{5B1F39B6-78EC-4F5F-A83C-91AFB0379C22}"/>
+    <pc:docChg chg="undo custSel modSld">
+      <pc:chgData name="Brice.Petit@ulb.ac.be" userId="471340c5-ea36-4afb-85d4-5000669cca5d" providerId="ADAL" clId="{5B1F39B6-78EC-4F5F-A83C-91AFB0379C22}" dt="2020-04-19T09:17:41.241" v="152" actId="20577"/>
+      <pc:docMkLst>
+        <pc:docMk/>
+      </pc:docMkLst>
+      <pc:sldChg chg="modSp mod">
+        <pc:chgData name="Brice.Petit@ulb.ac.be" userId="471340c5-ea36-4afb-85d4-5000669cca5d" providerId="ADAL" clId="{5B1F39B6-78EC-4F5F-A83C-91AFB0379C22}" dt="2020-04-19T09:17:41.241" v="152" actId="20577"/>
+        <pc:sldMkLst>
+          <pc:docMk/>
+          <pc:sldMk cId="0" sldId="256"/>
+        </pc:sldMkLst>
+        <pc:spChg chg="mod">
+          <ac:chgData name="Brice.Petit@ulb.ac.be" userId="471340c5-ea36-4afb-85d4-5000669cca5d" providerId="ADAL" clId="{5B1F39B6-78EC-4F5F-A83C-91AFB0379C22}" dt="2020-04-19T09:00:14.155" v="3" actId="20577"/>
+          <ac:spMkLst>
+            <pc:docMk/>
+            <pc:sldMk cId="0" sldId="256"/>
+            <ac:spMk id="34" creationId="{00000000-0000-0000-0000-000000000000}"/>
+          </ac:spMkLst>
+        </pc:spChg>
+        <pc:spChg chg="mod">
+          <ac:chgData name="Brice.Petit@ulb.ac.be" userId="471340c5-ea36-4afb-85d4-5000669cca5d" providerId="ADAL" clId="{5B1F39B6-78EC-4F5F-A83C-91AFB0379C22}" dt="2020-04-19T09:17:41.241" v="152" actId="20577"/>
+          <ac:spMkLst>
+            <pc:docMk/>
+            <pc:sldMk cId="0" sldId="256"/>
+            <ac:spMk id="36" creationId="{EA82CD33-333B-43A0-8E4F-8158ED4AC571}"/>
+          </ac:spMkLst>
+        </pc:spChg>
+      </pc:sldChg>
+    </pc:docChg>
+  </pc:docChgLst>
+</pc:chgInfo>
+</file>
+
 <file path=ppt/handoutMasters/handoutMaster1.xml><?xml version="1.0" encoding="utf-8"?>
 <p:handoutMaster xmlns:a="http://schemas.openxmlformats.org/drawingml/2006/main" xmlns:r="http://schemas.openxmlformats.org/officeDocument/2006/relationships" xmlns:p="http://schemas.openxmlformats.org/presentationml/2006/main">
   <p:cSld>
@@ -260,7 +297,7 @@
               <a:pPr>
                 <a:defRPr/>
               </a:pPr>
-              <a:t>18-04-20</a:t>
+              <a:t>19-04-20</a:t>
             </a:fld>
             <a:endParaRPr lang="fr-BE"/>
           </a:p>
@@ -464,7 +501,7 @@
               <a:pPr>
                 <a:defRPr/>
               </a:pPr>
-              <a:t>18-04-20</a:t>
+              <a:t>19-04-20</a:t>
             </a:fld>
             <a:endParaRPr lang="fr-BE"/>
           </a:p>
@@ -5247,7 +5284,7 @@
             <a:pPr algn="just"/>
             <a:r>
               <a:rPr lang="fr-BE" sz="4400" dirty="0"/>
-              <a:t>	Le but du projet est l’automatisation du tri de déchets via des méthodes informatiques, s’appuyant sur l’analyse d’images. Un ensemble de techniques d’apprentissage automatique, permettent de créer des modèles de prédiction. Ces derniers permettent de classer les images en différentes catégories.</a:t>
+              <a:t>	Le but du projet est l’automatisation du tri de déchets via des méthodes informatiques, s’appuyant sur l’analyse d’images. Un ensemble de techniques d’apprentissage automatique permettent de créer des modèles de prédiction. Ces derniers permettent de classer les images en différentes catégories.</a:t>
             </a:r>
           </a:p>
         </p:txBody>
@@ -5319,15 +5356,15 @@
             <a:pPr algn="just"/>
             <a:r>
               <a:rPr lang="fr-BE" sz="4400" dirty="0"/>
-              <a:t>	Un modèle fonctionnel a été importé sur un </a:t>
-            </a:r>
-            <a:r>
-              <a:rPr lang="fr-BE" sz="4400" dirty="0" err="1"/>
-              <a:t>raspberry</a:t>
+              <a:t>	Un modèle fonctionnel a été importé sur un Raspberry PI 4 (au centre du schéma, </a:t>
+            </a:r>
+            <a:r>
+              <a:rPr lang="fr-BE" sz="4400"/>
+              <a:t>un nano-ordinateur), </a:t>
             </a:r>
             <a:r>
               <a:rPr lang="fr-BE" sz="4400" dirty="0"/>
-              <a:t> pi 4 (au centre du schéma), liée à un ensemble de périphériques :</a:t>
+              <a:t>liée à un ensemble de périphériques :</a:t>
             </a:r>
           </a:p>
           <a:p>
@@ -5348,7 +5385,14 @@
             <a:pPr algn="just"/>
             <a:r>
               <a:rPr lang="fr-BE" sz="4400" dirty="0"/>
-              <a:t>	- Un contrôleur de moteurs attachés aux 			  poubelles.</a:t>
+              <a:t>	- Les moteurs sont attachés aux poubelles.</a:t>
+            </a:r>
+          </a:p>
+          <a:p>
+            <a:pPr algn="just"/>
+            <a:r>
+              <a:rPr lang="fr-BE" sz="4400" dirty="0"/>
+              <a:t>	- Les moteurs sont reliés à un contrôleur.</a:t>
             </a:r>
           </a:p>
         </p:txBody>

--- a/PDS-INFO-1-G5.pptx
+++ b/PDS-INFO-1-G5.pptx
@@ -159,17 +159,25 @@
 </p:presentation>
 </file>
 
+<file path=ppt/revisionInfo.xml><?xml version="1.0" encoding="utf-8"?>
+<p1510:revInfo xmlns:a="http://schemas.openxmlformats.org/drawingml/2006/main" xmlns:r="http://schemas.openxmlformats.org/officeDocument/2006/relationships" xmlns:p1510="http://schemas.microsoft.com/office/powerpoint/2015/10/main">
+  <p1510:revLst>
+    <p1510:client id="{5B1F39B6-78EC-4F5F-A83C-91AFB0379C22}" v="5" dt="2020-04-21T07:32:29.857"/>
+  </p1510:revLst>
+</p1510:revInfo>
+</file>
+
 <file path=ppt/changesInfos/changesInfo1.xml><?xml version="1.0" encoding="utf-8"?>
 <pc:chgInfo xmlns:a="http://schemas.openxmlformats.org/drawingml/2006/main" xmlns:r="http://schemas.openxmlformats.org/officeDocument/2006/relationships" xmlns:ac="http://schemas.microsoft.com/office/drawing/2013/main/command" xmlns:pc="http://schemas.microsoft.com/office/powerpoint/2013/main/command">
   <pc:docChgLst>
     <pc:chgData name="Brice.Petit@ulb.ac.be" userId="471340c5-ea36-4afb-85d4-5000669cca5d" providerId="ADAL" clId="{5B1F39B6-78EC-4F5F-A83C-91AFB0379C22}"/>
     <pc:docChg chg="undo custSel modSld">
-      <pc:chgData name="Brice.Petit@ulb.ac.be" userId="471340c5-ea36-4afb-85d4-5000669cca5d" providerId="ADAL" clId="{5B1F39B6-78EC-4F5F-A83C-91AFB0379C22}" dt="2020-04-19T09:17:41.241" v="152" actId="20577"/>
+      <pc:chgData name="Brice.Petit@ulb.ac.be" userId="471340c5-ea36-4afb-85d4-5000669cca5d" providerId="ADAL" clId="{5B1F39B6-78EC-4F5F-A83C-91AFB0379C22}" dt="2020-04-21T07:32:30.996" v="155" actId="20577"/>
       <pc:docMkLst>
         <pc:docMk/>
       </pc:docMkLst>
       <pc:sldChg chg="modSp mod">
-        <pc:chgData name="Brice.Petit@ulb.ac.be" userId="471340c5-ea36-4afb-85d4-5000669cca5d" providerId="ADAL" clId="{5B1F39B6-78EC-4F5F-A83C-91AFB0379C22}" dt="2020-04-19T09:17:41.241" v="152" actId="20577"/>
+        <pc:chgData name="Brice.Petit@ulb.ac.be" userId="471340c5-ea36-4afb-85d4-5000669cca5d" providerId="ADAL" clId="{5B1F39B6-78EC-4F5F-A83C-91AFB0379C22}" dt="2020-04-21T07:32:30.996" v="155" actId="20577"/>
         <pc:sldMkLst>
           <pc:docMk/>
           <pc:sldMk cId="0" sldId="256"/>
@@ -188,6 +196,14 @@
             <pc:docMk/>
             <pc:sldMk cId="0" sldId="256"/>
             <ac:spMk id="36" creationId="{EA82CD33-333B-43A0-8E4F-8158ED4AC571}"/>
+          </ac:spMkLst>
+        </pc:spChg>
+        <pc:spChg chg="mod">
+          <ac:chgData name="Brice.Petit@ulb.ac.be" userId="471340c5-ea36-4afb-85d4-5000669cca5d" providerId="ADAL" clId="{5B1F39B6-78EC-4F5F-A83C-91AFB0379C22}" dt="2020-04-21T07:32:30.996" v="155" actId="20577"/>
+          <ac:spMkLst>
+            <pc:docMk/>
+            <pc:sldMk cId="0" sldId="256"/>
+            <ac:spMk id="2052" creationId="{00000000-0000-0000-0000-000000000000}"/>
           </ac:spMkLst>
         </pc:spChg>
       </pc:sldChg>
@@ -297,7 +313,7 @@
               <a:pPr>
                 <a:defRPr/>
               </a:pPr>
-              <a:t>19-04-20</a:t>
+              <a:t>21-04-20</a:t>
             </a:fld>
             <a:endParaRPr lang="fr-BE"/>
           </a:p>
@@ -501,7 +517,7 @@
               <a:pPr>
                 <a:defRPr/>
               </a:pPr>
-              <a:t>19-04-20</a:t>
+              <a:t>21-04-20</a:t>
             </a:fld>
             <a:endParaRPr lang="fr-BE"/>
           </a:p>
@@ -4618,7 +4634,16 @@
                 </a:solidFill>
                 <a:latin typeface="+mj-lt"/>
               </a:rPr>
-              <a:t>Amir FALLAHI, Brice PETIT, Dumitru NEGRU, Hugo CALLEBAUT, Maxime HAUWAERT et Yahya BAKKALI</a:t>
+              <a:t>Yahya BAKKALI, Hugo CALLEBAUT, Amir FALLAHI, Maxime HAUWAERT, Dumitru NEGRU et </a:t>
+            </a:r>
+            <a:r>
+              <a:rPr lang="fr-FR" altLang="fr-FR" sz="3600" b="1">
+                <a:solidFill>
+                  <a:srgbClr val="CC0000"/>
+                </a:solidFill>
+                <a:latin typeface="+mj-lt"/>
+              </a:rPr>
+              <a:t>Brice PETIT</a:t>
             </a:r>
             <a:endParaRPr lang="fr-FR" altLang="fr-FR" sz="7200" b="1" dirty="0">
               <a:solidFill>

--- a/PDS-INFO-1-G5.pptx
+++ b/PDS-INFO-1-G5.pptx
@@ -159,59 +159,6 @@
 </p:presentation>
 </file>
 
-<file path=ppt/revisionInfo.xml><?xml version="1.0" encoding="utf-8"?>
-<p1510:revInfo xmlns:a="http://schemas.openxmlformats.org/drawingml/2006/main" xmlns:r="http://schemas.openxmlformats.org/officeDocument/2006/relationships" xmlns:p1510="http://schemas.microsoft.com/office/powerpoint/2015/10/main">
-  <p1510:revLst>
-    <p1510:client id="{5B1F39B6-78EC-4F5F-A83C-91AFB0379C22}" v="5" dt="2020-04-21T07:32:29.857"/>
-  </p1510:revLst>
-</p1510:revInfo>
-</file>
-
-<file path=ppt/changesInfos/changesInfo1.xml><?xml version="1.0" encoding="utf-8"?>
-<pc:chgInfo xmlns:a="http://schemas.openxmlformats.org/drawingml/2006/main" xmlns:r="http://schemas.openxmlformats.org/officeDocument/2006/relationships" xmlns:ac="http://schemas.microsoft.com/office/drawing/2013/main/command" xmlns:pc="http://schemas.microsoft.com/office/powerpoint/2013/main/command">
-  <pc:docChgLst>
-    <pc:chgData name="Brice.Petit@ulb.ac.be" userId="471340c5-ea36-4afb-85d4-5000669cca5d" providerId="ADAL" clId="{5B1F39B6-78EC-4F5F-A83C-91AFB0379C22}"/>
-    <pc:docChg chg="undo custSel modSld">
-      <pc:chgData name="Brice.Petit@ulb.ac.be" userId="471340c5-ea36-4afb-85d4-5000669cca5d" providerId="ADAL" clId="{5B1F39B6-78EC-4F5F-A83C-91AFB0379C22}" dt="2020-04-21T07:32:30.996" v="155" actId="20577"/>
-      <pc:docMkLst>
-        <pc:docMk/>
-      </pc:docMkLst>
-      <pc:sldChg chg="modSp mod">
-        <pc:chgData name="Brice.Petit@ulb.ac.be" userId="471340c5-ea36-4afb-85d4-5000669cca5d" providerId="ADAL" clId="{5B1F39B6-78EC-4F5F-A83C-91AFB0379C22}" dt="2020-04-21T07:32:30.996" v="155" actId="20577"/>
-        <pc:sldMkLst>
-          <pc:docMk/>
-          <pc:sldMk cId="0" sldId="256"/>
-        </pc:sldMkLst>
-        <pc:spChg chg="mod">
-          <ac:chgData name="Brice.Petit@ulb.ac.be" userId="471340c5-ea36-4afb-85d4-5000669cca5d" providerId="ADAL" clId="{5B1F39B6-78EC-4F5F-A83C-91AFB0379C22}" dt="2020-04-19T09:00:14.155" v="3" actId="20577"/>
-          <ac:spMkLst>
-            <pc:docMk/>
-            <pc:sldMk cId="0" sldId="256"/>
-            <ac:spMk id="34" creationId="{00000000-0000-0000-0000-000000000000}"/>
-          </ac:spMkLst>
-        </pc:spChg>
-        <pc:spChg chg="mod">
-          <ac:chgData name="Brice.Petit@ulb.ac.be" userId="471340c5-ea36-4afb-85d4-5000669cca5d" providerId="ADAL" clId="{5B1F39B6-78EC-4F5F-A83C-91AFB0379C22}" dt="2020-04-19T09:17:41.241" v="152" actId="20577"/>
-          <ac:spMkLst>
-            <pc:docMk/>
-            <pc:sldMk cId="0" sldId="256"/>
-            <ac:spMk id="36" creationId="{EA82CD33-333B-43A0-8E4F-8158ED4AC571}"/>
-          </ac:spMkLst>
-        </pc:spChg>
-        <pc:spChg chg="mod">
-          <ac:chgData name="Brice.Petit@ulb.ac.be" userId="471340c5-ea36-4afb-85d4-5000669cca5d" providerId="ADAL" clId="{5B1F39B6-78EC-4F5F-A83C-91AFB0379C22}" dt="2020-04-21T07:32:30.996" v="155" actId="20577"/>
-          <ac:spMkLst>
-            <pc:docMk/>
-            <pc:sldMk cId="0" sldId="256"/>
-            <ac:spMk id="2052" creationId="{00000000-0000-0000-0000-000000000000}"/>
-          </ac:spMkLst>
-        </pc:spChg>
-      </pc:sldChg>
-    </pc:docChg>
-  </pc:docChgLst>
-</pc:chgInfo>
-</file>
-
 <file path=ppt/handoutMasters/handoutMaster1.xml><?xml version="1.0" encoding="utf-8"?>
 <p:handoutMaster xmlns:a="http://schemas.openxmlformats.org/drawingml/2006/main" xmlns:r="http://schemas.openxmlformats.org/officeDocument/2006/relationships" xmlns:p="http://schemas.openxmlformats.org/presentationml/2006/main">
   <p:cSld>
@@ -313,7 +260,7 @@
               <a:pPr>
                 <a:defRPr/>
               </a:pPr>
-              <a:t>21-04-20</a:t>
+              <a:t>22-04-20</a:t>
             </a:fld>
             <a:endParaRPr lang="fr-BE"/>
           </a:p>
@@ -398,7 +345,7 @@
               <a:pPr>
                 <a:defRPr/>
               </a:pPr>
-              <a:t>‹N°›</a:t>
+              <a:t>‹#›</a:t>
             </a:fld>
             <a:endParaRPr lang="fr-BE"/>
           </a:p>
@@ -517,7 +464,7 @@
               <a:pPr>
                 <a:defRPr/>
               </a:pPr>
-              <a:t>21-04-20</a:t>
+              <a:t>22-04-20</a:t>
             </a:fld>
             <a:endParaRPr lang="fr-BE"/>
           </a:p>
@@ -700,7 +647,7 @@
               <a:pPr>
                 <a:defRPr/>
               </a:pPr>
-              <a:t>‹N°›</a:t>
+              <a:t>‹#›</a:t>
             </a:fld>
             <a:endParaRPr lang="fr-BE"/>
           </a:p>
@@ -1143,7 +1090,7 @@
               <a:pPr>
                 <a:defRPr/>
               </a:pPr>
-              <a:t>‹N°›</a:t>
+              <a:t>‹#›</a:t>
             </a:fld>
             <a:endParaRPr lang="fr-FR"/>
           </a:p>
@@ -1339,7 +1286,7 @@
               <a:pPr>
                 <a:defRPr/>
               </a:pPr>
-              <a:t>‹N°›</a:t>
+              <a:t>‹#›</a:t>
             </a:fld>
             <a:endParaRPr lang="fr-FR"/>
           </a:p>
@@ -1545,7 +1492,7 @@
               <a:pPr>
                 <a:defRPr/>
               </a:pPr>
-              <a:t>‹N°›</a:t>
+              <a:t>‹#›</a:t>
             </a:fld>
             <a:endParaRPr lang="fr-FR"/>
           </a:p>
@@ -1741,7 +1688,7 @@
               <a:pPr>
                 <a:defRPr/>
               </a:pPr>
-              <a:t>‹N°›</a:t>
+              <a:t>‹#›</a:t>
             </a:fld>
             <a:endParaRPr lang="fr-FR"/>
           </a:p>
@@ -1959,7 +1906,7 @@
               <a:pPr>
                 <a:defRPr/>
               </a:pPr>
-              <a:t>‹N°›</a:t>
+              <a:t>‹#›</a:t>
             </a:fld>
             <a:endParaRPr lang="fr-FR"/>
           </a:p>
@@ -2273,7 +2220,7 @@
               <a:pPr>
                 <a:defRPr/>
               </a:pPr>
-              <a:t>‹N°›</a:t>
+              <a:t>‹#›</a:t>
             </a:fld>
             <a:endParaRPr lang="fr-FR"/>
           </a:p>
@@ -2726,7 +2673,7 @@
               <a:pPr>
                 <a:defRPr/>
               </a:pPr>
-              <a:t>‹N°›</a:t>
+              <a:t>‹#›</a:t>
             </a:fld>
             <a:endParaRPr lang="fr-FR"/>
           </a:p>
@@ -2870,7 +2817,7 @@
               <a:pPr>
                 <a:defRPr/>
               </a:pPr>
-              <a:t>‹N°›</a:t>
+              <a:t>‹#›</a:t>
             </a:fld>
             <a:endParaRPr lang="fr-FR"/>
           </a:p>
@@ -2991,7 +2938,7 @@
               <a:pPr>
                 <a:defRPr/>
               </a:pPr>
-              <a:t>‹N°›</a:t>
+              <a:t>‹#›</a:t>
             </a:fld>
             <a:endParaRPr lang="fr-FR"/>
           </a:p>
@@ -3294,7 +3241,7 @@
               <a:pPr>
                 <a:defRPr/>
               </a:pPr>
-              <a:t>‹N°›</a:t>
+              <a:t>‹#›</a:t>
             </a:fld>
             <a:endParaRPr lang="fr-FR"/>
           </a:p>
@@ -3574,7 +3521,7 @@
               <a:pPr>
                 <a:defRPr/>
               </a:pPr>
-              <a:t>‹N°›</a:t>
+              <a:t>‹#›</a:t>
             </a:fld>
             <a:endParaRPr lang="fr-FR"/>
           </a:p>
@@ -3956,7 +3903,7 @@
               <a:pPr>
                 <a:defRPr/>
               </a:pPr>
-              <a:t>‹N°›</a:t>
+              <a:t>‹#›</a:t>
             </a:fld>
             <a:endParaRPr lang="fr-FR"/>
           </a:p>
@@ -4386,6 +4333,42 @@
       </p:grpSpPr>
       <p:pic>
         <p:nvPicPr>
+          <p:cNvPr id="7" name="Image 6">
+            <a:extLst>
+              <a:ext uri="{FF2B5EF4-FFF2-40B4-BE49-F238E27FC236}">
+                <a16:creationId xmlns:a16="http://schemas.microsoft.com/office/drawing/2014/main" id="{A93E5F4F-C206-4689-ABE5-A07EDDF13CB7}"/>
+              </a:ext>
+            </a:extLst>
+          </p:cNvPr>
+          <p:cNvPicPr>
+            <a:picLocks noChangeAspect="1"/>
+          </p:cNvPicPr>
+          <p:nvPr/>
+        </p:nvPicPr>
+        <p:blipFill>
+          <a:blip r:embed="rId3">
+            <a:extLst>
+              <a:ext uri="{28A0092B-C50C-407E-A947-70E740481C1C}">
+                <a14:useLocalDpi xmlns:a14="http://schemas.microsoft.com/office/drawing/2010/main" val="0"/>
+              </a:ext>
+            </a:extLst>
+          </a:blip>
+          <a:stretch>
+            <a:fillRect/>
+          </a:stretch>
+        </p:blipFill>
+        <p:spPr>
+          <a:xfrm>
+            <a:off x="27269660" y="23009960"/>
+            <a:ext cx="4200132" cy="9284502"/>
+          </a:xfrm>
+          <a:prstGeom prst="rect">
+            <a:avLst/>
+          </a:prstGeom>
+        </p:spPr>
+      </p:pic>
+      <p:pic>
+        <p:nvPicPr>
           <p:cNvPr id="14" name="Image 11" descr="Une image contenant texte, batterie&#10;&#10;Description générée avec un niveau de confiance élevé">
             <a:extLst>
               <a:ext uri="{FF2B5EF4-FFF2-40B4-BE49-F238E27FC236}">
@@ -4399,7 +4382,7 @@
           <p:nvPr/>
         </p:nvPicPr>
         <p:blipFill>
-          <a:blip r:embed="rId3" cstate="print">
+          <a:blip r:embed="rId4" cstate="print">
             <a:extLst>
               <a:ext uri="{28A0092B-C50C-407E-A947-70E740481C1C}">
                 <a14:useLocalDpi xmlns:a14="http://schemas.microsoft.com/office/drawing/2010/main" val="0"/>
@@ -4429,7 +4412,7 @@
           <p:nvPr/>
         </p:nvPicPr>
         <p:blipFill>
-          <a:blip r:embed="rId4">
+          <a:blip r:embed="rId5">
             <a:extLst>
               <a:ext uri="{28A0092B-C50C-407E-A947-70E740481C1C}">
                 <a14:useLocalDpi xmlns:a14="http://schemas.microsoft.com/office/drawing/2010/main" val="0"/>
@@ -4634,16 +4617,7 @@
                 </a:solidFill>
                 <a:latin typeface="+mj-lt"/>
               </a:rPr>
-              <a:t>Yahya BAKKALI, Hugo CALLEBAUT, Amir FALLAHI, Maxime HAUWAERT, Dumitru NEGRU et </a:t>
-            </a:r>
-            <a:r>
-              <a:rPr lang="fr-FR" altLang="fr-FR" sz="3600" b="1">
-                <a:solidFill>
-                  <a:srgbClr val="CC0000"/>
-                </a:solidFill>
-                <a:latin typeface="+mj-lt"/>
-              </a:rPr>
-              <a:t>Brice PETIT</a:t>
+              <a:t>Yahya BAKKALI, Hugo CALLEBAUT, Amir FALLAHI, Maxime HAUWAERT, Dumitru NEGRU et Brice PETIT</a:t>
             </a:r>
             <a:endParaRPr lang="fr-FR" altLang="fr-FR" sz="7200" b="1" dirty="0">
               <a:solidFill>
@@ -4832,7 +4806,7 @@
           <p:nvPr/>
         </p:nvPicPr>
         <p:blipFill>
-          <a:blip r:embed="rId5" cstate="print">
+          <a:blip r:embed="rId6" cstate="print">
             <a:extLst>
               <a:ext uri="{28A0092B-C50C-407E-A947-70E740481C1C}">
                 <a14:useLocalDpi xmlns:a14="http://schemas.microsoft.com/office/drawing/2010/main" val="0"/>
@@ -4886,7 +4860,7 @@
           <p:nvPr/>
         </p:nvPicPr>
         <p:blipFill>
-          <a:blip r:embed="rId6" cstate="print">
+          <a:blip r:embed="rId7" cstate="print">
             <a:extLst>
               <a:ext uri="{28A0092B-C50C-407E-A947-70E740481C1C}">
                 <a14:useLocalDpi xmlns:a14="http://schemas.microsoft.com/office/drawing/2010/main" val="0"/>
@@ -5117,7 +5091,7 @@
               <a:rPr lang="fr-FR" altLang="fr-FR" sz="1900" dirty="0">
                 <a:latin typeface="+mj-lt"/>
               </a:rPr>
-              <a:t>ainsi que la mention « Printemps des Sciences 2018 – Exposition des Sciences – Bruxelles »</a:t>
+              <a:t>ainsi que la mention « Printemps des Sciences 2020 – Exposition des Sciences – Bruxelles »</a:t>
             </a:r>
           </a:p>
           <a:p>
@@ -5143,7 +5117,7 @@
           <p:nvPr/>
         </p:nvPicPr>
         <p:blipFill>
-          <a:blip r:embed="rId7" cstate="print">
+          <a:blip r:embed="rId8" cstate="print">
             <a:extLst>
               <a:ext uri="{28A0092B-C50C-407E-A947-70E740481C1C}">
                 <a14:useLocalDpi xmlns:a14="http://schemas.microsoft.com/office/drawing/2010/main" val="0"/>
@@ -5203,7 +5177,7 @@
           <p:nvPr/>
         </p:nvPicPr>
         <p:blipFill>
-          <a:blip r:embed="rId8">
+          <a:blip r:embed="rId9">
             <a:extLst>
               <a:ext uri="{28A0092B-C50C-407E-A947-70E740481C1C}">
                 <a14:useLocalDpi xmlns:a14="http://schemas.microsoft.com/office/drawing/2010/main" val="0"/>
@@ -5235,7 +5209,7 @@
         </p:nvSpPr>
         <p:spPr>
           <a:xfrm>
-            <a:off x="17445389" y="14905114"/>
+            <a:off x="17445389" y="19064161"/>
             <a:ext cx="6354262" cy="1132957"/>
           </a:xfrm>
           <a:prstGeom prst="rect">
@@ -5292,8 +5266,8 @@
         </p:nvSpPr>
         <p:spPr>
           <a:xfrm>
-            <a:off x="2892144" y="11880832"/>
-            <a:ext cx="28077200" cy="2123658"/>
+            <a:off x="2892144" y="11412142"/>
+            <a:ext cx="28077200" cy="1846659"/>
           </a:xfrm>
           <a:prstGeom prst="rect">
             <a:avLst/>
@@ -5308,7 +5282,7 @@
           <a:p>
             <a:pPr algn="just"/>
             <a:r>
-              <a:rPr lang="fr-BE" sz="4400" dirty="0"/>
+              <a:rPr lang="fr-BE" sz="3800" dirty="0"/>
               <a:t>	Le but du projet est l’automatisation du tri de déchets via des méthodes informatiques, s’appuyant sur l’analyse d’images. Un ensemble de techniques d’apprentissage automatique permettent de créer des modèles de prédiction. Ces derniers permettent de classer les images en différentes catégories.</a:t>
             </a:r>
           </a:p>
@@ -5320,177 +5294,6 @@
             <a:extLst>
               <a:ext uri="{FF2B5EF4-FFF2-40B4-BE49-F238E27FC236}">
                 <a16:creationId xmlns:a16="http://schemas.microsoft.com/office/drawing/2014/main" id="{42501193-486E-4FCC-8190-579B81D1634A}"/>
-              </a:ext>
-            </a:extLst>
-          </p:cNvPr>
-          <p:cNvPicPr>
-            <a:picLocks noChangeAspect="1"/>
-          </p:cNvPicPr>
-          <p:nvPr/>
-        </p:nvPicPr>
-        <p:blipFill>
-          <a:blip r:embed="rId9">
-            <a:extLst>
-              <a:ext uri="{28A0092B-C50C-407E-A947-70E740481C1C}">
-                <a14:useLocalDpi xmlns:a14="http://schemas.microsoft.com/office/drawing/2010/main" val="0"/>
-              </a:ext>
-            </a:extLst>
-          </a:blip>
-          <a:stretch>
-            <a:fillRect/>
-          </a:stretch>
-        </p:blipFill>
-        <p:spPr>
-          <a:xfrm>
-            <a:off x="2552131" y="15437579"/>
-            <a:ext cx="14078053" cy="13253479"/>
-          </a:xfrm>
-          <a:prstGeom prst="rect">
-            <a:avLst/>
-          </a:prstGeom>
-        </p:spPr>
-      </p:pic>
-      <p:sp>
-        <p:nvSpPr>
-          <p:cNvPr id="36" name="ZoneTexte 35">
-            <a:extLst>
-              <a:ext uri="{FF2B5EF4-FFF2-40B4-BE49-F238E27FC236}">
-                <a16:creationId xmlns:a16="http://schemas.microsoft.com/office/drawing/2014/main" id="{EA82CD33-333B-43A0-8E4F-8158ED4AC571}"/>
-              </a:ext>
-            </a:extLst>
-          </p:cNvPr>
-          <p:cNvSpPr txBox="1"/>
-          <p:nvPr/>
-        </p:nvSpPr>
-        <p:spPr>
-          <a:xfrm>
-            <a:off x="17547218" y="16589614"/>
-            <a:ext cx="13422126" cy="4832092"/>
-          </a:xfrm>
-          <a:prstGeom prst="rect">
-            <a:avLst/>
-          </a:prstGeom>
-          <a:noFill/>
-        </p:spPr>
-        <p:txBody>
-          <a:bodyPr wrap="square" rtlCol="0">
-            <a:spAutoFit/>
-          </a:bodyPr>
-          <a:lstStyle/>
-          <a:p>
-            <a:pPr algn="just"/>
-            <a:r>
-              <a:rPr lang="fr-BE" sz="4400" dirty="0"/>
-              <a:t>	Un modèle fonctionnel a été importé sur un Raspberry PI 4 (au centre du schéma, </a:t>
-            </a:r>
-            <a:r>
-              <a:rPr lang="fr-BE" sz="4400"/>
-              <a:t>un nano-ordinateur), </a:t>
-            </a:r>
-            <a:r>
-              <a:rPr lang="fr-BE" sz="4400" dirty="0"/>
-              <a:t>liée à un ensemble de périphériques :</a:t>
-            </a:r>
-          </a:p>
-          <a:p>
-            <a:pPr algn="just"/>
-            <a:r>
-              <a:rPr lang="fr-BE" sz="4400" dirty="0"/>
-              <a:t>	- Un bouton qui enclenche la capture de l’image.</a:t>
-            </a:r>
-          </a:p>
-          <a:p>
-            <a:pPr algn="just"/>
-            <a:r>
-              <a:rPr lang="fr-BE" sz="4400" dirty="0"/>
-              <a:t>	- Une caméra réglable pour la prise d’images.</a:t>
-            </a:r>
-          </a:p>
-          <a:p>
-            <a:pPr algn="just"/>
-            <a:r>
-              <a:rPr lang="fr-BE" sz="4400" dirty="0"/>
-              <a:t>	- Les moteurs sont attachés aux poubelles.</a:t>
-            </a:r>
-          </a:p>
-          <a:p>
-            <a:pPr algn="just"/>
-            <a:r>
-              <a:rPr lang="fr-BE" sz="4400" dirty="0"/>
-              <a:t>	- Les moteurs sont reliés à un contrôleur.</a:t>
-            </a:r>
-          </a:p>
-        </p:txBody>
-      </p:sp>
-      <p:sp>
-        <p:nvSpPr>
-          <p:cNvPr id="37" name="ZoneTexte 36">
-            <a:extLst>
-              <a:ext uri="{FF2B5EF4-FFF2-40B4-BE49-F238E27FC236}">
-                <a16:creationId xmlns:a16="http://schemas.microsoft.com/office/drawing/2014/main" id="{ACFE4749-EB51-43D9-B99E-E1A94B9CA93D}"/>
-              </a:ext>
-            </a:extLst>
-          </p:cNvPr>
-          <p:cNvSpPr txBox="1"/>
-          <p:nvPr/>
-        </p:nvSpPr>
-        <p:spPr>
-          <a:xfrm>
-            <a:off x="2892144" y="29955088"/>
-            <a:ext cx="8444963" cy="1132957"/>
-          </a:xfrm>
-          <a:prstGeom prst="rect">
-            <a:avLst/>
-          </a:prstGeom>
-          <a:solidFill>
-            <a:schemeClr val="lt1"/>
-          </a:solidFill>
-          <a:ln w="177800" cap="flat" cmpd="sng">
-            <a:noFill/>
-            <a:round/>
-          </a:ln>
-          <a:effectLst>
-            <a:softEdge rad="0"/>
-          </a:effectLst>
-        </p:spPr>
-        <p:style>
-          <a:lnRef idx="2">
-            <a:schemeClr val="accent6"/>
-          </a:lnRef>
-          <a:fillRef idx="1">
-            <a:schemeClr val="lt1"/>
-          </a:fillRef>
-          <a:effectRef idx="0">
-            <a:schemeClr val="accent6"/>
-          </a:effectRef>
-          <a:fontRef idx="minor">
-            <a:schemeClr val="dk1"/>
-          </a:fontRef>
-        </p:style>
-        <p:txBody>
-          <a:bodyPr wrap="square" lIns="180000" tIns="180000" rIns="180000" bIns="180000" rtlCol="0">
-            <a:spAutoFit/>
-          </a:bodyPr>
-          <a:lstStyle/>
-          <a:p>
-            <a:pPr algn="ctr"/>
-            <a:r>
-              <a:rPr lang="fr-FR" altLang="fr-FR" sz="5000" b="1" dirty="0">
-                <a:solidFill>
-                  <a:srgbClr val="6C5098"/>
-                </a:solidFill>
-              </a:rPr>
-              <a:t>Modèle et jeu de données</a:t>
-            </a:r>
-          </a:p>
-        </p:txBody>
-      </p:sp>
-      <p:pic>
-        <p:nvPicPr>
-          <p:cNvPr id="7" name="Image 6">
-            <a:extLst>
-              <a:ext uri="{FF2B5EF4-FFF2-40B4-BE49-F238E27FC236}">
-                <a16:creationId xmlns:a16="http://schemas.microsoft.com/office/drawing/2014/main" id="{A93E5F4F-C206-4689-ABE5-A07EDDF13CB7}"/>
               </a:ext>
             </a:extLst>
           </p:cNvPr>
@@ -5513,14 +5316,141 @@
         </p:blipFill>
         <p:spPr>
           <a:xfrm>
-            <a:off x="27269660" y="21237065"/>
-            <a:ext cx="4200132" cy="9284502"/>
+            <a:off x="3132383" y="19155201"/>
+            <a:ext cx="13497801" cy="12707213"/>
           </a:xfrm>
           <a:prstGeom prst="rect">
             <a:avLst/>
           </a:prstGeom>
         </p:spPr>
       </p:pic>
+      <p:sp>
+        <p:nvSpPr>
+          <p:cNvPr id="36" name="ZoneTexte 35">
+            <a:extLst>
+              <a:ext uri="{FF2B5EF4-FFF2-40B4-BE49-F238E27FC236}">
+                <a16:creationId xmlns:a16="http://schemas.microsoft.com/office/drawing/2014/main" id="{EA82CD33-333B-43A0-8E4F-8158ED4AC571}"/>
+              </a:ext>
+            </a:extLst>
+          </p:cNvPr>
+          <p:cNvSpPr txBox="1"/>
+          <p:nvPr/>
+        </p:nvSpPr>
+        <p:spPr>
+          <a:xfrm>
+            <a:off x="17547218" y="20331837"/>
+            <a:ext cx="13422126" cy="4185761"/>
+          </a:xfrm>
+          <a:prstGeom prst="rect">
+            <a:avLst/>
+          </a:prstGeom>
+          <a:noFill/>
+        </p:spPr>
+        <p:txBody>
+          <a:bodyPr wrap="square" rtlCol="0">
+            <a:spAutoFit/>
+          </a:bodyPr>
+          <a:lstStyle/>
+          <a:p>
+            <a:pPr algn="just"/>
+            <a:r>
+              <a:rPr lang="fr-BE" sz="3800" dirty="0"/>
+              <a:t>	Un modèle fonctionnel a été importé sur un Raspberry PI 4 (au centre du schéma, un nano-ordinateur), liée à un ensemble de périphériques :</a:t>
+            </a:r>
+          </a:p>
+          <a:p>
+            <a:pPr algn="just"/>
+            <a:r>
+              <a:rPr lang="fr-BE" sz="3800" dirty="0"/>
+              <a:t>	- Un bouton qui enclenche la capture de l’image.</a:t>
+            </a:r>
+          </a:p>
+          <a:p>
+            <a:pPr algn="just"/>
+            <a:r>
+              <a:rPr lang="fr-BE" sz="3800" dirty="0"/>
+              <a:t>	- Une caméra réglable pour la prise d’images.</a:t>
+            </a:r>
+          </a:p>
+          <a:p>
+            <a:pPr algn="just"/>
+            <a:r>
+              <a:rPr lang="fr-BE" sz="3800" dirty="0"/>
+              <a:t>	- Les moteurs sont attachés aux poubelles.</a:t>
+            </a:r>
+          </a:p>
+          <a:p>
+            <a:pPr algn="just"/>
+            <a:r>
+              <a:rPr lang="fr-BE" sz="3800" dirty="0"/>
+              <a:t>	- Les moteurs sont reliés à un contrôleur.</a:t>
+            </a:r>
+          </a:p>
+        </p:txBody>
+      </p:sp>
+      <p:sp>
+        <p:nvSpPr>
+          <p:cNvPr id="37" name="ZoneTexte 36">
+            <a:extLst>
+              <a:ext uri="{FF2B5EF4-FFF2-40B4-BE49-F238E27FC236}">
+                <a16:creationId xmlns:a16="http://schemas.microsoft.com/office/drawing/2014/main" id="{ACFE4749-EB51-43D9-B99E-E1A94B9CA93D}"/>
+              </a:ext>
+            </a:extLst>
+          </p:cNvPr>
+          <p:cNvSpPr txBox="1"/>
+          <p:nvPr/>
+        </p:nvSpPr>
+        <p:spPr>
+          <a:xfrm>
+            <a:off x="2892144" y="32097609"/>
+            <a:ext cx="8444963" cy="1132957"/>
+          </a:xfrm>
+          <a:prstGeom prst="rect">
+            <a:avLst/>
+          </a:prstGeom>
+          <a:solidFill>
+            <a:schemeClr val="lt1"/>
+          </a:solidFill>
+          <a:ln w="177800" cap="flat" cmpd="sng">
+            <a:noFill/>
+            <a:round/>
+          </a:ln>
+          <a:effectLst>
+            <a:softEdge rad="0"/>
+          </a:effectLst>
+        </p:spPr>
+        <p:style>
+          <a:lnRef idx="2">
+            <a:schemeClr val="accent6"/>
+          </a:lnRef>
+          <a:fillRef idx="1">
+            <a:schemeClr val="lt1"/>
+          </a:fillRef>
+          <a:effectRef idx="0">
+            <a:schemeClr val="accent6"/>
+          </a:effectRef>
+          <a:fontRef idx="minor">
+            <a:schemeClr val="dk1"/>
+          </a:fontRef>
+        </p:style>
+        <p:txBody>
+          <a:bodyPr wrap="square" lIns="180000" tIns="180000" rIns="180000" bIns="180000" rtlCol="0">
+            <a:spAutoFit/>
+          </a:bodyPr>
+          <a:lstStyle/>
+          <a:p>
+            <a:pPr algn="ctr"/>
+            <a:r>
+              <a:rPr lang="fr-FR" altLang="fr-FR" sz="5000" b="1" dirty="0">
+                <a:solidFill>
+                  <a:srgbClr val="6C5098"/>
+                </a:solidFill>
+              </a:rPr>
+              <a:t>Modèle et jeu de données</a:t>
+            </a:r>
+          </a:p>
+        </p:txBody>
+      </p:sp>
       <p:sp>
         <p:nvSpPr>
           <p:cNvPr id="38" name="ZoneTexte 37">
@@ -5535,8 +5465,8 @@
         </p:nvSpPr>
         <p:spPr>
           <a:xfrm>
-            <a:off x="17547217" y="23260154"/>
-            <a:ext cx="9055586" cy="7540526"/>
+            <a:off x="17547217" y="26642406"/>
+            <a:ext cx="9055586" cy="5940088"/>
           </a:xfrm>
           <a:prstGeom prst="rect">
             <a:avLst/>
@@ -5551,14 +5481,14 @@
           <a:p>
             <a:pPr algn="just"/>
             <a:r>
-              <a:rPr lang="fr-BE" sz="4400" dirty="0"/>
+              <a:rPr lang="fr-BE" sz="3800" dirty="0"/>
               <a:t>	En fonction de la prédiction, le contrôleur va activer l’un des moteurs. Ce dernier est collé au couvercle, lors de son mouvement, il pousse contre une tige attachée au corps de la poubelle, ce qui lui permet d’ouvrir la poubelle.</a:t>
             </a:r>
           </a:p>
           <a:p>
             <a:pPr algn="just"/>
             <a:r>
-              <a:rPr lang="fr-BE" sz="4400" dirty="0"/>
+              <a:rPr lang="fr-BE" sz="3800" dirty="0"/>
               <a:t>	Après un certain temps, le servo moteur se réactive, revenant à sa position de départ et refermant la poubelle.</a:t>
             </a:r>
           </a:p>
@@ -5578,7 +5508,7 @@
         </p:nvSpPr>
         <p:spPr>
           <a:xfrm>
-            <a:off x="17699617" y="21973403"/>
+            <a:off x="17699617" y="25355655"/>
             <a:ext cx="6895345" cy="1132957"/>
           </a:xfrm>
           <a:prstGeom prst="rect">
@@ -5655,7 +5585,7 @@
         </p:blipFill>
         <p:spPr>
           <a:xfrm>
-            <a:off x="2892144" y="35781805"/>
+            <a:off x="2892144" y="36701758"/>
             <a:ext cx="4876800" cy="3657600"/>
           </a:xfrm>
           <a:prstGeom prst="rect">
@@ -5691,7 +5621,7 @@
         </p:blipFill>
         <p:spPr>
           <a:xfrm>
-            <a:off x="8708239" y="35781805"/>
+            <a:off x="8708239" y="36701758"/>
             <a:ext cx="4876800" cy="3657600"/>
           </a:xfrm>
           <a:prstGeom prst="rect">
@@ -5727,7 +5657,7 @@
         </p:blipFill>
         <p:spPr>
           <a:xfrm>
-            <a:off x="14492344" y="35781805"/>
+            <a:off x="14492344" y="36701758"/>
             <a:ext cx="4876800" cy="3657600"/>
           </a:xfrm>
           <a:prstGeom prst="rect">
@@ -5763,7 +5693,7 @@
         </p:blipFill>
         <p:spPr>
           <a:xfrm>
-            <a:off x="26078245" y="35781805"/>
+            <a:off x="26078245" y="36701758"/>
             <a:ext cx="4891099" cy="3657600"/>
           </a:xfrm>
           <a:prstGeom prst="rect">
@@ -5799,7 +5729,7 @@
         </p:blipFill>
         <p:spPr>
           <a:xfrm>
-            <a:off x="20294140" y="35781805"/>
+            <a:off x="20294140" y="36701758"/>
             <a:ext cx="4876800" cy="3657600"/>
           </a:xfrm>
           <a:prstGeom prst="rect">
@@ -5821,8 +5751,8 @@
         </p:nvSpPr>
         <p:spPr>
           <a:xfrm>
-            <a:off x="3062570" y="31394913"/>
-            <a:ext cx="28077200" cy="2123658"/>
+            <a:off x="3062570" y="33374549"/>
+            <a:ext cx="28077200" cy="1846659"/>
           </a:xfrm>
           <a:prstGeom prst="rect">
             <a:avLst/>
@@ -5837,7 +5767,7 @@
           <a:p>
             <a:pPr algn="just"/>
             <a:r>
-              <a:rPr lang="fr-BE" sz="4400" dirty="0"/>
+              <a:rPr lang="fr-BE" sz="3800" dirty="0"/>
               <a:t>	Le modèle est entraîné sur une base de données divisée en cinq catégories de déchets (sac blanc, bleu, jaune et orange, ainsi que le verre). Pour minimiser les perturbations liées à la reconnaissance d’images, les photos possèdent les mêmes dimensions et les objets sont exposés sur fond blanc.</a:t>
             </a:r>
           </a:p>
@@ -5857,7 +5787,7 @@
         </p:nvSpPr>
         <p:spPr bwMode="auto">
           <a:xfrm>
-            <a:off x="2892144" y="34701936"/>
+            <a:off x="2892144" y="35621889"/>
             <a:ext cx="4876800" cy="690059"/>
           </a:xfrm>
           <a:prstGeom prst="rect">
@@ -5935,7 +5865,7 @@
         </p:nvSpPr>
         <p:spPr bwMode="auto">
           <a:xfrm>
-            <a:off x="8735342" y="34691826"/>
+            <a:off x="8735342" y="35611779"/>
             <a:ext cx="4876800" cy="690059"/>
           </a:xfrm>
           <a:prstGeom prst="rect">
@@ -6010,7 +5940,7 @@
         </p:nvSpPr>
         <p:spPr bwMode="auto">
           <a:xfrm>
-            <a:off x="14450942" y="34691826"/>
+            <a:off x="14450942" y="35611779"/>
             <a:ext cx="4876800" cy="690059"/>
           </a:xfrm>
           <a:prstGeom prst="rect">
@@ -6085,7 +6015,7 @@
         </p:nvSpPr>
         <p:spPr bwMode="auto">
           <a:xfrm>
-            <a:off x="20294140" y="34691827"/>
+            <a:off x="20294140" y="35611780"/>
             <a:ext cx="4876800" cy="690059"/>
           </a:xfrm>
           <a:prstGeom prst="rect">
@@ -6163,7 +6093,7 @@
         </p:nvSpPr>
         <p:spPr bwMode="auto">
           <a:xfrm>
-            <a:off x="26078245" y="34701935"/>
+            <a:off x="26078245" y="35621888"/>
             <a:ext cx="4876800" cy="690059"/>
           </a:xfrm>
           <a:prstGeom prst="rect">
@@ -6220,6 +6150,281 @@
                 <a:ea typeface="ＭＳ Ｐゴシック" pitchFamily="1" charset="-128"/>
               </a:rPr>
               <a:t>Verre</a:t>
+            </a:r>
+          </a:p>
+        </p:txBody>
+      </p:sp>
+      <p:pic>
+        <p:nvPicPr>
+          <p:cNvPr id="30" name="Picture 29">
+            <a:extLst>
+              <a:ext uri="{FF2B5EF4-FFF2-40B4-BE49-F238E27FC236}">
+                <a16:creationId xmlns:a16="http://schemas.microsoft.com/office/drawing/2014/main" id="{44EDA88B-0FA9-4DF9-A9D9-735857AB1B64}"/>
+              </a:ext>
+              <a:ext uri="{C183D7F6-B498-43B3-948B-1728B52AA6E4}">
+                <adec:decorative xmlns:adec="http://schemas.microsoft.com/office/drawing/2017/decorative" val="1"/>
+              </a:ext>
+            </a:extLst>
+          </p:cNvPr>
+          <p:cNvPicPr>
+            <a:picLocks noChangeAspect="1"/>
+          </p:cNvPicPr>
+          <p:nvPr/>
+        </p:nvPicPr>
+        <p:blipFill>
+          <a:blip r:embed="rId16">
+            <a:extLst>
+              <a:ext uri="{28A0092B-C50C-407E-A947-70E740481C1C}">
+                <a14:useLocalDpi xmlns:a14="http://schemas.microsoft.com/office/drawing/2010/main" val="0"/>
+              </a:ext>
+            </a:extLst>
+          </a:blip>
+          <a:stretch>
+            <a:fillRect/>
+          </a:stretch>
+        </p:blipFill>
+        <p:spPr>
+          <a:xfrm>
+            <a:off x="3210521" y="13804848"/>
+            <a:ext cx="5669037" cy="4053361"/>
+          </a:xfrm>
+          <a:prstGeom prst="rect">
+            <a:avLst/>
+          </a:prstGeom>
+        </p:spPr>
+      </p:pic>
+      <p:pic>
+        <p:nvPicPr>
+          <p:cNvPr id="31" name="Picture 30">
+            <a:extLst>
+              <a:ext uri="{FF2B5EF4-FFF2-40B4-BE49-F238E27FC236}">
+                <a16:creationId xmlns:a16="http://schemas.microsoft.com/office/drawing/2014/main" id="{73E65A5D-AF48-41CF-99C1-F18166351483}"/>
+              </a:ext>
+            </a:extLst>
+          </p:cNvPr>
+          <p:cNvPicPr>
+            <a:picLocks noChangeAspect="1"/>
+          </p:cNvPicPr>
+          <p:nvPr/>
+        </p:nvPicPr>
+        <p:blipFill rotWithShape="1">
+          <a:blip r:embed="rId17"/>
+          <a:srcRect l="8192" t="26491" r="8332" b="23440"/>
+          <a:stretch/>
+        </p:blipFill>
+        <p:spPr>
+          <a:xfrm>
+            <a:off x="18303979" y="13744878"/>
+            <a:ext cx="7012677" cy="4206164"/>
+          </a:xfrm>
+          <a:prstGeom prst="rect">
+            <a:avLst/>
+          </a:prstGeom>
+        </p:spPr>
+      </p:pic>
+      <p:pic>
+        <p:nvPicPr>
+          <p:cNvPr id="32" name="Picture 31">
+            <a:extLst>
+              <a:ext uri="{FF2B5EF4-FFF2-40B4-BE49-F238E27FC236}">
+                <a16:creationId xmlns:a16="http://schemas.microsoft.com/office/drawing/2014/main" id="{7F26D0FC-D9ED-41D8-B16B-92AEB9DF2764}"/>
+              </a:ext>
+            </a:extLst>
+          </p:cNvPr>
+          <p:cNvPicPr>
+            <a:picLocks noChangeAspect="1"/>
+          </p:cNvPicPr>
+          <p:nvPr/>
+        </p:nvPicPr>
+        <p:blipFill rotWithShape="1">
+          <a:blip r:embed="rId18"/>
+          <a:srcRect l="10835" t="20772" r="9847" b="21723"/>
+          <a:stretch/>
+        </p:blipFill>
+        <p:spPr>
+          <a:xfrm>
+            <a:off x="10184979" y="14021269"/>
+            <a:ext cx="7555010" cy="3653382"/>
+          </a:xfrm>
+          <a:prstGeom prst="rect">
+            <a:avLst/>
+          </a:prstGeom>
+        </p:spPr>
+      </p:pic>
+      <p:pic>
+        <p:nvPicPr>
+          <p:cNvPr id="33" name="Picture 32">
+            <a:extLst>
+              <a:ext uri="{FF2B5EF4-FFF2-40B4-BE49-F238E27FC236}">
+                <a16:creationId xmlns:a16="http://schemas.microsoft.com/office/drawing/2014/main" id="{FF817743-CC72-4ED6-9CE0-9033F33B3A8F}"/>
+              </a:ext>
+            </a:extLst>
+          </p:cNvPr>
+          <p:cNvPicPr>
+            <a:picLocks noChangeAspect="1"/>
+          </p:cNvPicPr>
+          <p:nvPr/>
+        </p:nvPicPr>
+        <p:blipFill>
+          <a:blip r:embed="rId19"/>
+          <a:stretch>
+            <a:fillRect/>
+          </a:stretch>
+        </p:blipFill>
+        <p:spPr>
+          <a:xfrm>
+            <a:off x="26530795" y="13140334"/>
+            <a:ext cx="4625027" cy="4625027"/>
+          </a:xfrm>
+          <a:prstGeom prst="rect">
+            <a:avLst/>
+          </a:prstGeom>
+        </p:spPr>
+      </p:pic>
+      <p:sp>
+        <p:nvSpPr>
+          <p:cNvPr id="35" name="TextBox 34">
+            <a:extLst>
+              <a:ext uri="{FF2B5EF4-FFF2-40B4-BE49-F238E27FC236}">
+                <a16:creationId xmlns:a16="http://schemas.microsoft.com/office/drawing/2014/main" id="{A866036B-D1CD-41BF-B683-8A2BA25D83DA}"/>
+              </a:ext>
+            </a:extLst>
+          </p:cNvPr>
+          <p:cNvSpPr txBox="1"/>
+          <p:nvPr/>
+        </p:nvSpPr>
+        <p:spPr>
+          <a:xfrm>
+            <a:off x="11490332" y="17892862"/>
+            <a:ext cx="5318274" cy="584775"/>
+          </a:xfrm>
+          <a:prstGeom prst="rect">
+            <a:avLst/>
+          </a:prstGeom>
+          <a:noFill/>
+        </p:spPr>
+        <p:txBody>
+          <a:bodyPr wrap="square" rtlCol="0">
+            <a:spAutoFit/>
+          </a:bodyPr>
+          <a:lstStyle/>
+          <a:p>
+            <a:pPr algn="ctr"/>
+            <a:r>
+              <a:rPr lang="fr-FR" sz="3200" dirty="0"/>
+              <a:t>PCA9685</a:t>
+            </a:r>
+          </a:p>
+        </p:txBody>
+      </p:sp>
+      <p:sp>
+        <p:nvSpPr>
+          <p:cNvPr id="39" name="TextBox 38">
+            <a:extLst>
+              <a:ext uri="{FF2B5EF4-FFF2-40B4-BE49-F238E27FC236}">
+                <a16:creationId xmlns:a16="http://schemas.microsoft.com/office/drawing/2014/main" id="{BF92EC99-CB2B-4514-B2CB-D6970A016E20}"/>
+              </a:ext>
+            </a:extLst>
+          </p:cNvPr>
+          <p:cNvSpPr txBox="1"/>
+          <p:nvPr/>
+        </p:nvSpPr>
+        <p:spPr>
+          <a:xfrm>
+            <a:off x="3561284" y="17892862"/>
+            <a:ext cx="5318274" cy="584775"/>
+          </a:xfrm>
+          <a:prstGeom prst="rect">
+            <a:avLst/>
+          </a:prstGeom>
+          <a:noFill/>
+        </p:spPr>
+        <p:txBody>
+          <a:bodyPr wrap="square" rtlCol="0">
+            <a:spAutoFit/>
+          </a:bodyPr>
+          <a:lstStyle/>
+          <a:p>
+            <a:pPr algn="ctr"/>
+            <a:r>
+              <a:rPr lang="fr-FR" sz="3200" dirty="0" err="1"/>
+              <a:t>Longruner</a:t>
+            </a:r>
+            <a:r>
+              <a:rPr lang="fr-FR" sz="3200" dirty="0"/>
+              <a:t> SG90</a:t>
+            </a:r>
+          </a:p>
+        </p:txBody>
+      </p:sp>
+      <p:sp>
+        <p:nvSpPr>
+          <p:cNvPr id="40" name="TextBox 39">
+            <a:extLst>
+              <a:ext uri="{FF2B5EF4-FFF2-40B4-BE49-F238E27FC236}">
+                <a16:creationId xmlns:a16="http://schemas.microsoft.com/office/drawing/2014/main" id="{89FC2011-36AE-4F4D-AEC8-79ACC744CCD1}"/>
+              </a:ext>
+            </a:extLst>
+          </p:cNvPr>
+          <p:cNvSpPr txBox="1"/>
+          <p:nvPr/>
+        </p:nvSpPr>
+        <p:spPr>
+          <a:xfrm>
+            <a:off x="19690035" y="17892862"/>
+            <a:ext cx="5318274" cy="584775"/>
+          </a:xfrm>
+          <a:prstGeom prst="rect">
+            <a:avLst/>
+          </a:prstGeom>
+          <a:noFill/>
+        </p:spPr>
+        <p:txBody>
+          <a:bodyPr wrap="square" rtlCol="0">
+            <a:spAutoFit/>
+          </a:bodyPr>
+          <a:lstStyle/>
+          <a:p>
+            <a:pPr algn="ctr"/>
+            <a:r>
+              <a:rPr lang="fr-FR" sz="3200" dirty="0"/>
+              <a:t>Raspberry Pi 4</a:t>
+            </a:r>
+          </a:p>
+        </p:txBody>
+      </p:sp>
+      <p:sp>
+        <p:nvSpPr>
+          <p:cNvPr id="42" name="TextBox 41">
+            <a:extLst>
+              <a:ext uri="{FF2B5EF4-FFF2-40B4-BE49-F238E27FC236}">
+                <a16:creationId xmlns:a16="http://schemas.microsoft.com/office/drawing/2014/main" id="{DC845953-3A60-4410-B8A1-4D20C1A27177}"/>
+              </a:ext>
+            </a:extLst>
+          </p:cNvPr>
+          <p:cNvSpPr txBox="1"/>
+          <p:nvPr/>
+        </p:nvSpPr>
+        <p:spPr>
+          <a:xfrm>
+            <a:off x="25926509" y="17840966"/>
+            <a:ext cx="6071737" cy="584775"/>
+          </a:xfrm>
+          <a:prstGeom prst="rect">
+            <a:avLst/>
+          </a:prstGeom>
+          <a:noFill/>
+        </p:spPr>
+        <p:txBody>
+          <a:bodyPr wrap="square" rtlCol="0">
+            <a:spAutoFit/>
+          </a:bodyPr>
+          <a:lstStyle/>
+          <a:p>
+            <a:pPr algn="ctr"/>
+            <a:r>
+              <a:rPr lang="fr-FR" sz="3200" dirty="0"/>
+              <a:t>Raspberry Pi Camera v2</a:t>
             </a:r>
           </a:p>
         </p:txBody>

--- a/PDS-INFO-1-G5.pptx
+++ b/PDS-INFO-1-G5.pptx
@@ -159,6 +159,35 @@
 </p:presentation>
 </file>
 
+<file path=ppt/changesInfos/changesInfo1.xml><?xml version="1.0" encoding="utf-8"?>
+<pc:chgInfo xmlns:a="http://schemas.openxmlformats.org/drawingml/2006/main" xmlns:r="http://schemas.openxmlformats.org/officeDocument/2006/relationships" xmlns:ac="http://schemas.microsoft.com/office/drawing/2013/main/command" xmlns:pc="http://schemas.microsoft.com/office/powerpoint/2013/main/command">
+  <pc:docChgLst>
+    <pc:chgData name="Brice.Petit@ulb.ac.be" userId="471340c5-ea36-4afb-85d4-5000669cca5d" providerId="ADAL" clId="{5B1F39B6-78EC-4F5F-A83C-91AFB0379C22}"/>
+    <pc:docChg chg="modSld">
+      <pc:chgData name="Brice.Petit@ulb.ac.be" userId="471340c5-ea36-4afb-85d4-5000669cca5d" providerId="ADAL" clId="{5B1F39B6-78EC-4F5F-A83C-91AFB0379C22}" dt="2020-04-24T08:18:43.942" v="3" actId="20577"/>
+      <pc:docMkLst>
+        <pc:docMk/>
+      </pc:docMkLst>
+      <pc:sldChg chg="modSp mod">
+        <pc:chgData name="Brice.Petit@ulb.ac.be" userId="471340c5-ea36-4afb-85d4-5000669cca5d" providerId="ADAL" clId="{5B1F39B6-78EC-4F5F-A83C-91AFB0379C22}" dt="2020-04-24T08:18:43.942" v="3" actId="20577"/>
+        <pc:sldMkLst>
+          <pc:docMk/>
+          <pc:sldMk cId="0" sldId="256"/>
+        </pc:sldMkLst>
+        <pc:spChg chg="mod">
+          <ac:chgData name="Brice.Petit@ulb.ac.be" userId="471340c5-ea36-4afb-85d4-5000669cca5d" providerId="ADAL" clId="{5B1F39B6-78EC-4F5F-A83C-91AFB0379C22}" dt="2020-04-24T08:18:43.942" v="3" actId="20577"/>
+          <ac:spMkLst>
+            <pc:docMk/>
+            <pc:sldMk cId="0" sldId="256"/>
+            <ac:spMk id="34" creationId="{00000000-0000-0000-0000-000000000000}"/>
+          </ac:spMkLst>
+        </pc:spChg>
+      </pc:sldChg>
+    </pc:docChg>
+  </pc:docChgLst>
+</pc:chgInfo>
+</file>
+
 <file path=ppt/handoutMasters/handoutMaster1.xml><?xml version="1.0" encoding="utf-8"?>
 <p:handoutMaster xmlns:a="http://schemas.openxmlformats.org/drawingml/2006/main" xmlns:r="http://schemas.openxmlformats.org/officeDocument/2006/relationships" xmlns:p="http://schemas.openxmlformats.org/presentationml/2006/main">
   <p:cSld>
@@ -260,7 +289,7 @@
               <a:pPr>
                 <a:defRPr/>
               </a:pPr>
-              <a:t>22-04-20</a:t>
+              <a:t>24-04-20</a:t>
             </a:fld>
             <a:endParaRPr lang="fr-BE"/>
           </a:p>
@@ -345,7 +374,7 @@
               <a:pPr>
                 <a:defRPr/>
               </a:pPr>
-              <a:t>‹#›</a:t>
+              <a:t>‹N°›</a:t>
             </a:fld>
             <a:endParaRPr lang="fr-BE"/>
           </a:p>
@@ -464,7 +493,7 @@
               <a:pPr>
                 <a:defRPr/>
               </a:pPr>
-              <a:t>22-04-20</a:t>
+              <a:t>24-04-20</a:t>
             </a:fld>
             <a:endParaRPr lang="fr-BE"/>
           </a:p>
@@ -647,7 +676,7 @@
               <a:pPr>
                 <a:defRPr/>
               </a:pPr>
-              <a:t>‹#›</a:t>
+              <a:t>‹N°›</a:t>
             </a:fld>
             <a:endParaRPr lang="fr-BE"/>
           </a:p>
@@ -1090,7 +1119,7 @@
               <a:pPr>
                 <a:defRPr/>
               </a:pPr>
-              <a:t>‹#›</a:t>
+              <a:t>‹N°›</a:t>
             </a:fld>
             <a:endParaRPr lang="fr-FR"/>
           </a:p>
@@ -1286,7 +1315,7 @@
               <a:pPr>
                 <a:defRPr/>
               </a:pPr>
-              <a:t>‹#›</a:t>
+              <a:t>‹N°›</a:t>
             </a:fld>
             <a:endParaRPr lang="fr-FR"/>
           </a:p>
@@ -1492,7 +1521,7 @@
               <a:pPr>
                 <a:defRPr/>
               </a:pPr>
-              <a:t>‹#›</a:t>
+              <a:t>‹N°›</a:t>
             </a:fld>
             <a:endParaRPr lang="fr-FR"/>
           </a:p>
@@ -1688,7 +1717,7 @@
               <a:pPr>
                 <a:defRPr/>
               </a:pPr>
-              <a:t>‹#›</a:t>
+              <a:t>‹N°›</a:t>
             </a:fld>
             <a:endParaRPr lang="fr-FR"/>
           </a:p>
@@ -1906,7 +1935,7 @@
               <a:pPr>
                 <a:defRPr/>
               </a:pPr>
-              <a:t>‹#›</a:t>
+              <a:t>‹N°›</a:t>
             </a:fld>
             <a:endParaRPr lang="fr-FR"/>
           </a:p>
@@ -2220,7 +2249,7 @@
               <a:pPr>
                 <a:defRPr/>
               </a:pPr>
-              <a:t>‹#›</a:t>
+              <a:t>‹N°›</a:t>
             </a:fld>
             <a:endParaRPr lang="fr-FR"/>
           </a:p>
@@ -2673,7 +2702,7 @@
               <a:pPr>
                 <a:defRPr/>
               </a:pPr>
-              <a:t>‹#›</a:t>
+              <a:t>‹N°›</a:t>
             </a:fld>
             <a:endParaRPr lang="fr-FR"/>
           </a:p>
@@ -2817,7 +2846,7 @@
               <a:pPr>
                 <a:defRPr/>
               </a:pPr>
-              <a:t>‹#›</a:t>
+              <a:t>‹N°›</a:t>
             </a:fld>
             <a:endParaRPr lang="fr-FR"/>
           </a:p>
@@ -2938,7 +2967,7 @@
               <a:pPr>
                 <a:defRPr/>
               </a:pPr>
-              <a:t>‹#›</a:t>
+              <a:t>‹N°›</a:t>
             </a:fld>
             <a:endParaRPr lang="fr-FR"/>
           </a:p>
@@ -3241,7 +3270,7 @@
               <a:pPr>
                 <a:defRPr/>
               </a:pPr>
-              <a:t>‹#›</a:t>
+              <a:t>‹N°›</a:t>
             </a:fld>
             <a:endParaRPr lang="fr-FR"/>
           </a:p>
@@ -3521,7 +3550,7 @@
               <a:pPr>
                 <a:defRPr/>
               </a:pPr>
-              <a:t>‹#›</a:t>
+              <a:t>‹N°›</a:t>
             </a:fld>
             <a:endParaRPr lang="fr-FR"/>
           </a:p>
@@ -3903,7 +3932,7 @@
               <a:pPr>
                 <a:defRPr/>
               </a:pPr>
-              <a:t>‹#›</a:t>
+              <a:t>‹N°›</a:t>
             </a:fld>
             <a:endParaRPr lang="fr-FR"/>
           </a:p>
@@ -5283,7 +5312,15 @@
             <a:pPr algn="just"/>
             <a:r>
               <a:rPr lang="fr-BE" sz="3800" dirty="0"/>
-              <a:t>	Le but du projet est l’automatisation du tri de déchets via des méthodes informatiques, s’appuyant sur l’analyse d’images. Un ensemble de techniques d’apprentissage automatique permettent de créer des modèles de prédiction. Ces derniers permettent de classer les images en différentes catégories.</a:t>
+              <a:t>	Le but du projet est l’automatisation du tri de déchets via des méthodes informatiques, s’appuyant sur l’analyse d’images. Un ensemble de techniques d’apprentissage </a:t>
+            </a:r>
+            <a:r>
+              <a:rPr lang="fr-BE" sz="3800"/>
+              <a:t>automatique permet </a:t>
+            </a:r>
+            <a:r>
+              <a:rPr lang="fr-BE" sz="3800" dirty="0"/>
+              <a:t>de créer des modèles de prédiction. Ces derniers permettent de classer les images en différentes catégories.</a:t>
             </a:r>
           </a:p>
         </p:txBody>
